--- a/documents/Varshneya_Samdarshi_LMU_Symposium_2016.pptx
+++ b/documents/Varshneya_Samdarshi_LMU_Symposium_2016.pptx
@@ -223,6 +223,22 @@
       </a:defRPr>
     </a:lvl9pPr>
   </p:defaultTextStyle>
+  <p:extLst>
+    <p:ext uri="{EFAFB233-063F-42B5-8137-9DF3F51BA10A}">
+      <p15:sldGuideLst xmlns:p15="http://schemas.microsoft.com/office/powerpoint/2012/main">
+        <p15:guide id="1" orient="horz" pos="10368">
+          <p15:clr>
+            <a:srgbClr val="A4A3A4"/>
+          </p15:clr>
+        </p15:guide>
+        <p15:guide id="2" pos="13824">
+          <p15:clr>
+            <a:srgbClr val="A4A3A4"/>
+          </p15:clr>
+        </p15:guide>
+      </p15:sldGuideLst>
+    </p:ext>
+  </p:extLst>
 </p:presentation>
 </file>
 
@@ -977,7 +993,7 @@
 <dgm:dataModel xmlns:dgm="http://schemas.openxmlformats.org/drawingml/2006/diagram" xmlns:a="http://schemas.openxmlformats.org/drawingml/2006/main">
   <dgm:ptLst>
     <dgm:pt modelId="{1B4863FB-D47D-1E4C-8024-230FBE4CE702}" type="doc">
-      <dgm:prSet loTypeId="urn:microsoft.com/office/officeart/2005/8/layout/cycle7" loCatId="" qsTypeId="urn:microsoft.com/office/officeart/2005/8/quickstyle/simple4" qsCatId="simple" csTypeId="urn:microsoft.com/office/officeart/2005/8/colors/accent1_2" csCatId="accent1" phldr="1"/>
+      <dgm:prSet loTypeId="urn:microsoft.com/office/officeart/2005/8/layout/cycle5" loCatId="" qsTypeId="urn:microsoft.com/office/officeart/2005/8/quickstyle/simple3" qsCatId="simple" csTypeId="urn:microsoft.com/office/officeart/2005/8/colors/accent1_2" csCatId="accent1" phldr="1"/>
       <dgm:spPr/>
       <dgm:t>
         <a:bodyPr/>
@@ -991,7 +1007,7 @@
       <dgm:prSet phldrT="[Text]" custT="1"/>
       <dgm:spPr>
         <a:solidFill>
-          <a:srgbClr val="C0504D"/>
+          <a:schemeClr val="accent2"/>
         </a:solidFill>
       </dgm:spPr>
       <dgm:t>
@@ -999,10 +1015,18 @@
         <a:lstStyle/>
         <a:p>
           <a:r>
-            <a:rPr lang="en-US" sz="1600" dirty="0" smtClean="0"/>
+            <a:rPr lang="en-US" sz="1600" b="1" dirty="0" smtClean="0">
+              <a:solidFill>
+                <a:schemeClr val="bg1"/>
+              </a:solidFill>
+            </a:rPr>
             <a:t>Write test for new functionality</a:t>
           </a:r>
-          <a:endParaRPr lang="en-US" sz="1600" dirty="0"/>
+          <a:endParaRPr lang="en-US" sz="1600" b="1" dirty="0">
+            <a:solidFill>
+              <a:schemeClr val="bg1"/>
+            </a:solidFill>
+          </a:endParaRPr>
         </a:p>
       </dgm:t>
     </dgm:pt>
@@ -1040,10 +1064,18 @@
         <a:lstStyle/>
         <a:p>
           <a:r>
-            <a:rPr lang="en-US" sz="1600" dirty="0" smtClean="0"/>
+            <a:rPr lang="en-US" sz="1600" b="1" dirty="0" smtClean="0">
+              <a:solidFill>
+                <a:srgbClr val="FFFFFF"/>
+              </a:solidFill>
+            </a:rPr>
             <a:t>Write Code</a:t>
           </a:r>
-          <a:endParaRPr lang="en-US" sz="1600" dirty="0"/>
+          <a:endParaRPr lang="en-US" sz="1600" b="1" dirty="0">
+            <a:solidFill>
+              <a:srgbClr val="FFFFFF"/>
+            </a:solidFill>
+          </a:endParaRPr>
         </a:p>
       </dgm:t>
     </dgm:pt>
@@ -1081,10 +1113,18 @@
         <a:lstStyle/>
         <a:p>
           <a:r>
-            <a:rPr lang="en-US" sz="1600" dirty="0" smtClean="0"/>
+            <a:rPr lang="en-US" sz="1600" b="1" dirty="0" smtClean="0">
+              <a:solidFill>
+                <a:srgbClr val="FFFFFF"/>
+              </a:solidFill>
+            </a:rPr>
             <a:t>Refactor Code</a:t>
           </a:r>
-          <a:endParaRPr lang="en-US" sz="1600" dirty="0"/>
+          <a:endParaRPr lang="en-US" sz="1600" b="1" dirty="0">
+            <a:solidFill>
+              <a:srgbClr val="FFFFFF"/>
+            </a:solidFill>
+          </a:endParaRPr>
         </a:p>
       </dgm:t>
     </dgm:pt>
@@ -1110,17 +1150,24 @@
         </a:p>
       </dgm:t>
     </dgm:pt>
-    <dgm:pt modelId="{B1134932-48E2-F04E-865A-8774BBF576F7}" type="pres">
-      <dgm:prSet presAssocID="{1B4863FB-D47D-1E4C-8024-230FBE4CE702}" presName="Name0" presStyleCnt="0">
+    <dgm:pt modelId="{95B6769F-DB05-B44E-95A1-76B1FEC04DB3}" type="pres">
+      <dgm:prSet presAssocID="{1B4863FB-D47D-1E4C-8024-230FBE4CE702}" presName="cycle" presStyleCnt="0">
         <dgm:presLayoutVars>
           <dgm:dir/>
           <dgm:resizeHandles val="exact"/>
         </dgm:presLayoutVars>
       </dgm:prSet>
       <dgm:spPr/>
+      <dgm:t>
+        <a:bodyPr/>
+        <a:lstStyle/>
+        <a:p>
+          <a:endParaRPr lang="en-US"/>
+        </a:p>
+      </dgm:t>
     </dgm:pt>
-    <dgm:pt modelId="{AD39E126-7B3F-1147-9711-638AA25C9947}" type="pres">
-      <dgm:prSet presAssocID="{D9CF44CB-7B06-B240-B62E-72AEA4B90F3D}" presName="node" presStyleLbl="node1" presStyleIdx="0" presStyleCnt="3" custRadScaleRad="97783" custRadScaleInc="-5297">
+    <dgm:pt modelId="{8D1B304E-4CA5-9543-B6C2-F932B1F4F71C}" type="pres">
+      <dgm:prSet presAssocID="{D9CF44CB-7B06-B240-B62E-72AEA4B90F3D}" presName="node" presStyleLbl="node1" presStyleIdx="0" presStyleCnt="3" custScaleX="138539" custScaleY="101615">
         <dgm:presLayoutVars>
           <dgm:bulletEnabled val="1"/>
         </dgm:presLayoutVars>
@@ -1134,32 +1181,23 @@
         </a:p>
       </dgm:t>
     </dgm:pt>
-    <dgm:pt modelId="{A1DB2EE6-1785-9E4A-A583-BDBE2B508D05}" type="pres">
-      <dgm:prSet presAssocID="{2FFB08D6-61DA-CD4C-95C4-F703DC0AC5B5}" presName="sibTrans" presStyleLbl="sibTrans2D1" presStyleIdx="0" presStyleCnt="3" custAng="297196" custScaleX="114761" custLinFactNeighborX="6919" custLinFactNeighborY="0"/>
+    <dgm:pt modelId="{CED3EDD5-928E-224E-9C4F-B7CAE95EBA38}" type="pres">
+      <dgm:prSet presAssocID="{D9CF44CB-7B06-B240-B62E-72AEA4B90F3D}" presName="spNode" presStyleCnt="0"/>
       <dgm:spPr/>
     </dgm:pt>
-    <dgm:pt modelId="{BAB8CE87-A528-C643-BEA1-2B95C44E16C8}" type="pres">
-      <dgm:prSet presAssocID="{2FFB08D6-61DA-CD4C-95C4-F703DC0AC5B5}" presName="connectorText" presStyleLbl="sibTrans2D1" presStyleIdx="0" presStyleCnt="3"/>
+    <dgm:pt modelId="{D7AC7C14-3750-3542-A71F-B5DBE4767B8A}" type="pres">
+      <dgm:prSet presAssocID="{2FFB08D6-61DA-CD4C-95C4-F703DC0AC5B5}" presName="sibTrans" presStyleLbl="sibTrans1D1" presStyleIdx="0" presStyleCnt="3"/>
       <dgm:spPr/>
+      <dgm:t>
+        <a:bodyPr/>
+        <a:lstStyle/>
+        <a:p>
+          <a:endParaRPr lang="en-US"/>
+        </a:p>
+      </dgm:t>
     </dgm:pt>
-    <dgm:pt modelId="{B5E4C2E9-F2ED-7D44-BB8A-8746B9197731}" type="pres">
-      <dgm:prSet presAssocID="{5423F03B-3789-0B4D-AAFF-6AFF97D6FC82}" presName="node" presStyleLbl="node1" presStyleIdx="1" presStyleCnt="3" custRadScaleRad="78843" custRadScaleInc="-39135">
-        <dgm:presLayoutVars>
-          <dgm:bulletEnabled val="1"/>
-        </dgm:presLayoutVars>
-      </dgm:prSet>
-      <dgm:spPr/>
-    </dgm:pt>
-    <dgm:pt modelId="{5E804890-5D17-3849-A214-087269675936}" type="pres">
-      <dgm:prSet presAssocID="{6AB06297-1EC9-CD4B-A812-2C58362D4075}" presName="sibTrans" presStyleLbl="sibTrans2D1" presStyleIdx="1" presStyleCnt="3" custScaleX="115034"/>
-      <dgm:spPr/>
-    </dgm:pt>
-    <dgm:pt modelId="{69565A77-D740-634F-A7AD-ADBDCDCC819D}" type="pres">
-      <dgm:prSet presAssocID="{6AB06297-1EC9-CD4B-A812-2C58362D4075}" presName="connectorText" presStyleLbl="sibTrans2D1" presStyleIdx="1" presStyleCnt="3"/>
-      <dgm:spPr/>
-    </dgm:pt>
-    <dgm:pt modelId="{B37D5F11-98A0-6647-AA05-A6866ABF8272}" type="pres">
-      <dgm:prSet presAssocID="{62403A56-1F41-1D49-8BD4-0241DF5460E5}" presName="node" presStyleLbl="node1" presStyleIdx="2" presStyleCnt="3" custRadScaleRad="87038" custRadScaleInc="40440">
+    <dgm:pt modelId="{A46E98D2-4259-3C46-9086-4370C45DC96C}" type="pres">
+      <dgm:prSet presAssocID="{5423F03B-3789-0B4D-AAFF-6AFF97D6FC82}" presName="node" presStyleLbl="node1" presStyleIdx="1" presStyleCnt="3">
         <dgm:presLayoutVars>
           <dgm:bulletEnabled val="1"/>
         </dgm:presLayoutVars>
@@ -1173,44 +1211,78 @@
         </a:p>
       </dgm:t>
     </dgm:pt>
-    <dgm:pt modelId="{9A6314DB-E799-A840-93FB-D89C6EB34B75}" type="pres">
-      <dgm:prSet presAssocID="{F6D8773C-175E-4C44-AEB4-42188B651BCF}" presName="sibTrans" presStyleLbl="sibTrans2D1" presStyleIdx="2" presStyleCnt="3" custAng="21450550" custScaleX="107864" custLinFactNeighborX="-17755" custLinFactNeighborY="0"/>
+    <dgm:pt modelId="{830BBD4C-4381-D143-9B8A-B0283C8D9B60}" type="pres">
+      <dgm:prSet presAssocID="{5423F03B-3789-0B4D-AAFF-6AFF97D6FC82}" presName="spNode" presStyleCnt="0"/>
       <dgm:spPr/>
     </dgm:pt>
-    <dgm:pt modelId="{C1D6E52A-EB0E-2444-83D6-C61D77909940}" type="pres">
-      <dgm:prSet presAssocID="{F6D8773C-175E-4C44-AEB4-42188B651BCF}" presName="connectorText" presStyleLbl="sibTrans2D1" presStyleIdx="2" presStyleCnt="3"/>
+    <dgm:pt modelId="{940675C5-915B-4947-AE5C-AD6BA8D06D75}" type="pres">
+      <dgm:prSet presAssocID="{6AB06297-1EC9-CD4B-A812-2C58362D4075}" presName="sibTrans" presStyleLbl="sibTrans1D1" presStyleIdx="1" presStyleCnt="3"/>
       <dgm:spPr/>
+      <dgm:t>
+        <a:bodyPr/>
+        <a:lstStyle/>
+        <a:p>
+          <a:endParaRPr lang="en-US"/>
+        </a:p>
+      </dgm:t>
+    </dgm:pt>
+    <dgm:pt modelId="{92356B7A-CF62-1B4D-93A4-602CA4252922}" type="pres">
+      <dgm:prSet presAssocID="{62403A56-1F41-1D49-8BD4-0241DF5460E5}" presName="node" presStyleLbl="node1" presStyleIdx="2" presStyleCnt="3">
+        <dgm:presLayoutVars>
+          <dgm:bulletEnabled val="1"/>
+        </dgm:presLayoutVars>
+      </dgm:prSet>
+      <dgm:spPr/>
+      <dgm:t>
+        <a:bodyPr/>
+        <a:lstStyle/>
+        <a:p>
+          <a:endParaRPr lang="en-US"/>
+        </a:p>
+      </dgm:t>
+    </dgm:pt>
+    <dgm:pt modelId="{8B8A51F8-C90D-EC43-9BA6-862187973BA5}" type="pres">
+      <dgm:prSet presAssocID="{62403A56-1F41-1D49-8BD4-0241DF5460E5}" presName="spNode" presStyleCnt="0"/>
+      <dgm:spPr/>
+    </dgm:pt>
+    <dgm:pt modelId="{7DFB023A-B0AF-684D-9790-800196DEC3F0}" type="pres">
+      <dgm:prSet presAssocID="{F6D8773C-175E-4C44-AEB4-42188B651BCF}" presName="sibTrans" presStyleLbl="sibTrans1D1" presStyleIdx="2" presStyleCnt="3"/>
+      <dgm:spPr/>
+      <dgm:t>
+        <a:bodyPr/>
+        <a:lstStyle/>
+        <a:p>
+          <a:endParaRPr lang="en-US"/>
+        </a:p>
+      </dgm:t>
     </dgm:pt>
   </dgm:ptLst>
   <dgm:cxnLst>
-    <dgm:cxn modelId="{15EF9774-C19E-774E-8438-BC2EA49D80A0}" type="presOf" srcId="{2FFB08D6-61DA-CD4C-95C4-F703DC0AC5B5}" destId="{BAB8CE87-A528-C643-BEA1-2B95C44E16C8}" srcOrd="1" destOrd="0" presId="urn:microsoft.com/office/officeart/2005/8/layout/cycle7"/>
-    <dgm:cxn modelId="{C536F5B3-4E56-E140-B738-2FFDD43CE102}" type="presOf" srcId="{6AB06297-1EC9-CD4B-A812-2C58362D4075}" destId="{5E804890-5D17-3849-A214-087269675936}" srcOrd="0" destOrd="0" presId="urn:microsoft.com/office/officeart/2005/8/layout/cycle7"/>
-    <dgm:cxn modelId="{368FA9CD-17C4-334C-8E87-2C2586DDCAA5}" type="presOf" srcId="{F6D8773C-175E-4C44-AEB4-42188B651BCF}" destId="{9A6314DB-E799-A840-93FB-D89C6EB34B75}" srcOrd="0" destOrd="0" presId="urn:microsoft.com/office/officeart/2005/8/layout/cycle7"/>
-    <dgm:cxn modelId="{6C5ED0B5-8FE5-FD46-A7E6-536C4D8CEECA}" type="presOf" srcId="{62403A56-1F41-1D49-8BD4-0241DF5460E5}" destId="{B37D5F11-98A0-6647-AA05-A6866ABF8272}" srcOrd="0" destOrd="0" presId="urn:microsoft.com/office/officeart/2005/8/layout/cycle7"/>
-    <dgm:cxn modelId="{C4CD0985-785A-2B4D-B15D-D1EC4897B2FE}" type="presOf" srcId="{5423F03B-3789-0B4D-AAFF-6AFF97D6FC82}" destId="{B5E4C2E9-F2ED-7D44-BB8A-8746B9197731}" srcOrd="0" destOrd="0" presId="urn:microsoft.com/office/officeart/2005/8/layout/cycle7"/>
+    <dgm:cxn modelId="{01E5C366-9ECE-2043-8ADD-BF2EB6A9D976}" type="presOf" srcId="{F6D8773C-175E-4C44-AEB4-42188B651BCF}" destId="{7DFB023A-B0AF-684D-9790-800196DEC3F0}" srcOrd="0" destOrd="0" presId="urn:microsoft.com/office/officeart/2005/8/layout/cycle5"/>
+    <dgm:cxn modelId="{354B832E-36B8-4144-A260-776EAEF00F82}" type="presOf" srcId="{D9CF44CB-7B06-B240-B62E-72AEA4B90F3D}" destId="{8D1B304E-4CA5-9543-B6C2-F932B1F4F71C}" srcOrd="0" destOrd="0" presId="urn:microsoft.com/office/officeart/2005/8/layout/cycle5"/>
+    <dgm:cxn modelId="{1E169250-418C-464D-9797-E1CF0070B177}" srcId="{1B4863FB-D47D-1E4C-8024-230FBE4CE702}" destId="{D9CF44CB-7B06-B240-B62E-72AEA4B90F3D}" srcOrd="0" destOrd="0" parTransId="{8BC6ED0E-6BFC-F345-9409-3F904BA6B5C3}" sibTransId="{2FFB08D6-61DA-CD4C-95C4-F703DC0AC5B5}"/>
+    <dgm:cxn modelId="{6683C119-E0C9-2A4C-AA6D-DA91665DB928}" type="presOf" srcId="{2FFB08D6-61DA-CD4C-95C4-F703DC0AC5B5}" destId="{D7AC7C14-3750-3542-A71F-B5DBE4767B8A}" srcOrd="0" destOrd="0" presId="urn:microsoft.com/office/officeart/2005/8/layout/cycle5"/>
+    <dgm:cxn modelId="{752C47F7-2877-AB45-B514-4407B9C67C0B}" type="presOf" srcId="{62403A56-1F41-1D49-8BD4-0241DF5460E5}" destId="{92356B7A-CF62-1B4D-93A4-602CA4252922}" srcOrd="0" destOrd="0" presId="urn:microsoft.com/office/officeart/2005/8/layout/cycle5"/>
+    <dgm:cxn modelId="{72EA5319-3493-3544-83BA-4CDFF8FE447C}" type="presOf" srcId="{6AB06297-1EC9-CD4B-A812-2C58362D4075}" destId="{940675C5-915B-4947-AE5C-AD6BA8D06D75}" srcOrd="0" destOrd="0" presId="urn:microsoft.com/office/officeart/2005/8/layout/cycle5"/>
+    <dgm:cxn modelId="{0D758575-1567-D84D-86EF-99A15BD041F6}" type="presOf" srcId="{1B4863FB-D47D-1E4C-8024-230FBE4CE702}" destId="{95B6769F-DB05-B44E-95A1-76B1FEC04DB3}" srcOrd="0" destOrd="0" presId="urn:microsoft.com/office/officeart/2005/8/layout/cycle5"/>
+    <dgm:cxn modelId="{6AA5B0AC-1B1C-1342-AA3A-9F3CEA723383}" srcId="{1B4863FB-D47D-1E4C-8024-230FBE4CE702}" destId="{62403A56-1F41-1D49-8BD4-0241DF5460E5}" srcOrd="2" destOrd="0" parTransId="{AFF8EEF3-B557-B849-955E-E0F0DCFBDE6E}" sibTransId="{F6D8773C-175E-4C44-AEB4-42188B651BCF}"/>
+    <dgm:cxn modelId="{0E42510B-C943-FE45-BDA2-739318B98E63}" type="presOf" srcId="{5423F03B-3789-0B4D-AAFF-6AFF97D6FC82}" destId="{A46E98D2-4259-3C46-9086-4370C45DC96C}" srcOrd="0" destOrd="0" presId="urn:microsoft.com/office/officeart/2005/8/layout/cycle5"/>
     <dgm:cxn modelId="{982C75D6-C2CE-994D-9B1D-7F51FABEA22E}" srcId="{1B4863FB-D47D-1E4C-8024-230FBE4CE702}" destId="{5423F03B-3789-0B4D-AAFF-6AFF97D6FC82}" srcOrd="1" destOrd="0" parTransId="{80DBCBCD-4C68-5742-9DD9-76919B38C73A}" sibTransId="{6AB06297-1EC9-CD4B-A812-2C58362D4075}"/>
-    <dgm:cxn modelId="{6AA5B0AC-1B1C-1342-AA3A-9F3CEA723383}" srcId="{1B4863FB-D47D-1E4C-8024-230FBE4CE702}" destId="{62403A56-1F41-1D49-8BD4-0241DF5460E5}" srcOrd="2" destOrd="0" parTransId="{AFF8EEF3-B557-B849-955E-E0F0DCFBDE6E}" sibTransId="{F6D8773C-175E-4C44-AEB4-42188B651BCF}"/>
-    <dgm:cxn modelId="{1E169250-418C-464D-9797-E1CF0070B177}" srcId="{1B4863FB-D47D-1E4C-8024-230FBE4CE702}" destId="{D9CF44CB-7B06-B240-B62E-72AEA4B90F3D}" srcOrd="0" destOrd="0" parTransId="{8BC6ED0E-6BFC-F345-9409-3F904BA6B5C3}" sibTransId="{2FFB08D6-61DA-CD4C-95C4-F703DC0AC5B5}"/>
-    <dgm:cxn modelId="{6CC5FC5B-4957-8042-AA5D-22C895990984}" type="presOf" srcId="{6AB06297-1EC9-CD4B-A812-2C58362D4075}" destId="{69565A77-D740-634F-A7AD-ADBDCDCC819D}" srcOrd="1" destOrd="0" presId="urn:microsoft.com/office/officeart/2005/8/layout/cycle7"/>
-    <dgm:cxn modelId="{3606C73B-B890-C246-8953-71EBA60287CB}" type="presOf" srcId="{F6D8773C-175E-4C44-AEB4-42188B651BCF}" destId="{C1D6E52A-EB0E-2444-83D6-C61D77909940}" srcOrd="1" destOrd="0" presId="urn:microsoft.com/office/officeart/2005/8/layout/cycle7"/>
-    <dgm:cxn modelId="{91952B00-983F-3441-8D53-0F7B2B1646DE}" type="presOf" srcId="{D9CF44CB-7B06-B240-B62E-72AEA4B90F3D}" destId="{AD39E126-7B3F-1147-9711-638AA25C9947}" srcOrd="0" destOrd="0" presId="urn:microsoft.com/office/officeart/2005/8/layout/cycle7"/>
-    <dgm:cxn modelId="{94B64A28-2134-AE49-AC46-FD5A9A8CE022}" type="presOf" srcId="{2FFB08D6-61DA-CD4C-95C4-F703DC0AC5B5}" destId="{A1DB2EE6-1785-9E4A-A583-BDBE2B508D05}" srcOrd="0" destOrd="0" presId="urn:microsoft.com/office/officeart/2005/8/layout/cycle7"/>
-    <dgm:cxn modelId="{4620D24B-7764-4641-BA23-E92054FA6DE8}" type="presOf" srcId="{1B4863FB-D47D-1E4C-8024-230FBE4CE702}" destId="{B1134932-48E2-F04E-865A-8774BBF576F7}" srcOrd="0" destOrd="0" presId="urn:microsoft.com/office/officeart/2005/8/layout/cycle7"/>
-    <dgm:cxn modelId="{39C39398-BDCB-774C-B8F1-4996F12E014A}" type="presParOf" srcId="{B1134932-48E2-F04E-865A-8774BBF576F7}" destId="{AD39E126-7B3F-1147-9711-638AA25C9947}" srcOrd="0" destOrd="0" presId="urn:microsoft.com/office/officeart/2005/8/layout/cycle7"/>
-    <dgm:cxn modelId="{D2867E2B-A215-1F4D-9F40-128682ECC822}" type="presParOf" srcId="{B1134932-48E2-F04E-865A-8774BBF576F7}" destId="{A1DB2EE6-1785-9E4A-A583-BDBE2B508D05}" srcOrd="1" destOrd="0" presId="urn:microsoft.com/office/officeart/2005/8/layout/cycle7"/>
-    <dgm:cxn modelId="{864AA48C-BF73-FD49-9A1C-153D7D437ABD}" type="presParOf" srcId="{A1DB2EE6-1785-9E4A-A583-BDBE2B508D05}" destId="{BAB8CE87-A528-C643-BEA1-2B95C44E16C8}" srcOrd="0" destOrd="0" presId="urn:microsoft.com/office/officeart/2005/8/layout/cycle7"/>
-    <dgm:cxn modelId="{0838440F-C4F6-154A-B438-087CFA751F57}" type="presParOf" srcId="{B1134932-48E2-F04E-865A-8774BBF576F7}" destId="{B5E4C2E9-F2ED-7D44-BB8A-8746B9197731}" srcOrd="2" destOrd="0" presId="urn:microsoft.com/office/officeart/2005/8/layout/cycle7"/>
-    <dgm:cxn modelId="{797ADA94-B085-E24A-81CB-A6FFACB54BA2}" type="presParOf" srcId="{B1134932-48E2-F04E-865A-8774BBF576F7}" destId="{5E804890-5D17-3849-A214-087269675936}" srcOrd="3" destOrd="0" presId="urn:microsoft.com/office/officeart/2005/8/layout/cycle7"/>
-    <dgm:cxn modelId="{EE2449D4-35E4-1749-B4F7-285251E19788}" type="presParOf" srcId="{5E804890-5D17-3849-A214-087269675936}" destId="{69565A77-D740-634F-A7AD-ADBDCDCC819D}" srcOrd="0" destOrd="0" presId="urn:microsoft.com/office/officeart/2005/8/layout/cycle7"/>
-    <dgm:cxn modelId="{2AAADBF7-25C1-D745-A8C0-C3BEAA536980}" type="presParOf" srcId="{B1134932-48E2-F04E-865A-8774BBF576F7}" destId="{B37D5F11-98A0-6647-AA05-A6866ABF8272}" srcOrd="4" destOrd="0" presId="urn:microsoft.com/office/officeart/2005/8/layout/cycle7"/>
-    <dgm:cxn modelId="{6621CC9F-AACB-074F-AD17-199D4937DA52}" type="presParOf" srcId="{B1134932-48E2-F04E-865A-8774BBF576F7}" destId="{9A6314DB-E799-A840-93FB-D89C6EB34B75}" srcOrd="5" destOrd="0" presId="urn:microsoft.com/office/officeart/2005/8/layout/cycle7"/>
-    <dgm:cxn modelId="{51CE1B79-72CF-4B43-9A29-9F05D04495C3}" type="presParOf" srcId="{9A6314DB-E799-A840-93FB-D89C6EB34B75}" destId="{C1D6E52A-EB0E-2444-83D6-C61D77909940}" srcOrd="0" destOrd="0" presId="urn:microsoft.com/office/officeart/2005/8/layout/cycle7"/>
+    <dgm:cxn modelId="{4C1A9226-395F-7F47-B601-2B5194DB63EF}" type="presParOf" srcId="{95B6769F-DB05-B44E-95A1-76B1FEC04DB3}" destId="{8D1B304E-4CA5-9543-B6C2-F932B1F4F71C}" srcOrd="0" destOrd="0" presId="urn:microsoft.com/office/officeart/2005/8/layout/cycle5"/>
+    <dgm:cxn modelId="{6DCB8202-6E0A-A449-AE03-7DF9BC5DE6E0}" type="presParOf" srcId="{95B6769F-DB05-B44E-95A1-76B1FEC04DB3}" destId="{CED3EDD5-928E-224E-9C4F-B7CAE95EBA38}" srcOrd="1" destOrd="0" presId="urn:microsoft.com/office/officeart/2005/8/layout/cycle5"/>
+    <dgm:cxn modelId="{694DBB13-DBC7-7F40-89BF-6F7A4132431F}" type="presParOf" srcId="{95B6769F-DB05-B44E-95A1-76B1FEC04DB3}" destId="{D7AC7C14-3750-3542-A71F-B5DBE4767B8A}" srcOrd="2" destOrd="0" presId="urn:microsoft.com/office/officeart/2005/8/layout/cycle5"/>
+    <dgm:cxn modelId="{ABCFDFB3-0431-C145-BBB7-7F3DC092735F}" type="presParOf" srcId="{95B6769F-DB05-B44E-95A1-76B1FEC04DB3}" destId="{A46E98D2-4259-3C46-9086-4370C45DC96C}" srcOrd="3" destOrd="0" presId="urn:microsoft.com/office/officeart/2005/8/layout/cycle5"/>
+    <dgm:cxn modelId="{50EC8980-8F57-2340-AB02-EBA3410E66D0}" type="presParOf" srcId="{95B6769F-DB05-B44E-95A1-76B1FEC04DB3}" destId="{830BBD4C-4381-D143-9B8A-B0283C8D9B60}" srcOrd="4" destOrd="0" presId="urn:microsoft.com/office/officeart/2005/8/layout/cycle5"/>
+    <dgm:cxn modelId="{1C040517-2AAA-4E4B-B50E-B696D392C1C3}" type="presParOf" srcId="{95B6769F-DB05-B44E-95A1-76B1FEC04DB3}" destId="{940675C5-915B-4947-AE5C-AD6BA8D06D75}" srcOrd="5" destOrd="0" presId="urn:microsoft.com/office/officeart/2005/8/layout/cycle5"/>
+    <dgm:cxn modelId="{342153EF-54A0-7C43-B094-AC0193AA6180}" type="presParOf" srcId="{95B6769F-DB05-B44E-95A1-76B1FEC04DB3}" destId="{92356B7A-CF62-1B4D-93A4-602CA4252922}" srcOrd="6" destOrd="0" presId="urn:microsoft.com/office/officeart/2005/8/layout/cycle5"/>
+    <dgm:cxn modelId="{60903233-BEE0-D84D-8AEF-872CBE9753BB}" type="presParOf" srcId="{95B6769F-DB05-B44E-95A1-76B1FEC04DB3}" destId="{8B8A51F8-C90D-EC43-9BA6-862187973BA5}" srcOrd="7" destOrd="0" presId="urn:microsoft.com/office/officeart/2005/8/layout/cycle5"/>
+    <dgm:cxn modelId="{48E43277-3D68-EF4B-A4CD-E5788A099B43}" type="presParOf" srcId="{95B6769F-DB05-B44E-95A1-76B1FEC04DB3}" destId="{7DFB023A-B0AF-684D-9790-800196DEC3F0}" srcOrd="8" destOrd="0" presId="urn:microsoft.com/office/officeart/2005/8/layout/cycle5"/>
   </dgm:cxnLst>
   <dgm:bg/>
   <dgm:whole/>
   <dgm:extLst>
     <a:ext uri="http://schemas.microsoft.com/office/drawing/2008/diagram">
-      <dsp:dataModelExt xmlns:dsp="http://schemas.microsoft.com/office/drawing/2008/diagram" relId="rId29" minVer="http://schemas.openxmlformats.org/drawingml/2006/diagram"/>
+      <dsp:dataModelExt xmlns:dsp="http://schemas.microsoft.com/office/drawing/2008/diagram" relId="rId30" minVer="http://schemas.openxmlformats.org/drawingml/2006/diagram"/>
     </a:ext>
   </dgm:extLst>
 </dgm:dataModel>
@@ -1224,47 +1296,52 @@
       <dsp:cNvGrpSpPr/>
     </dsp:nvGrpSpPr>
     <dsp:grpSpPr/>
-    <dsp:sp modelId="{AD39E126-7B3F-1147-9711-638AA25C9947}">
+    <dsp:sp modelId="{8D1B304E-4CA5-9543-B6C2-F932B1F4F71C}">
       <dsp:nvSpPr>
         <dsp:cNvPr id="0" name=""/>
         <dsp:cNvSpPr/>
       </dsp:nvSpPr>
       <dsp:spPr>
         <a:xfrm>
-          <a:off x="2324773" y="37932"/>
-          <a:ext cx="1644369" cy="822184"/>
+          <a:off x="2462360" y="-2803"/>
+          <a:ext cx="1539134" cy="733796"/>
         </a:xfrm>
         <a:prstGeom prst="roundRect">
-          <a:avLst>
-            <a:gd name="adj" fmla="val 10000"/>
-          </a:avLst>
+          <a:avLst/>
         </a:prstGeom>
         <a:solidFill>
-          <a:srgbClr val="C0504D"/>
+          <a:schemeClr val="accent2"/>
         </a:solidFill>
         <a:ln>
           <a:noFill/>
         </a:ln>
         <a:effectLst>
-          <a:outerShdw blurRad="40000" dist="23000" dir="5400000" rotWithShape="0">
+          <a:outerShdw blurRad="40000" dist="20000" dir="5400000" rotWithShape="0">
             <a:srgbClr val="000000">
-              <a:alpha val="35000"/>
+              <a:alpha val="38000"/>
             </a:srgbClr>
           </a:outerShdw>
         </a:effectLst>
+        <a:scene3d>
+          <a:camera prst="orthographicFront"/>
+          <a:lightRig rig="flat" dir="t"/>
+        </a:scene3d>
+        <a:sp3d prstMaterial="dkEdge">
+          <a:bevelT w="8200" h="38100"/>
+        </a:sp3d>
       </dsp:spPr>
       <dsp:style>
         <a:lnRef idx="0">
           <a:scrgbClr r="0" g="0" b="0"/>
         </a:lnRef>
-        <a:fillRef idx="3">
+        <a:fillRef idx="2">
           <a:scrgbClr r="0" g="0" b="0"/>
         </a:fillRef>
-        <a:effectRef idx="2">
+        <a:effectRef idx="1">
           <a:scrgbClr r="0" g="0" b="0"/>
         </a:effectRef>
         <a:fontRef idx="minor">
-          <a:schemeClr val="lt1"/>
+          <a:schemeClr val="dk1"/>
         </a:fontRef>
       </dsp:style>
       <dsp:txBody>
@@ -1285,126 +1362,90 @@
             </a:spcAft>
           </a:pPr>
           <a:r>
-            <a:rPr lang="en-US" sz="1600" kern="1200" dirty="0" smtClean="0"/>
+            <a:rPr lang="en-US" sz="1600" b="1" kern="1200" dirty="0" smtClean="0">
+              <a:solidFill>
+                <a:schemeClr val="bg1"/>
+              </a:solidFill>
+            </a:rPr>
             <a:t>Write test for new functionality</a:t>
           </a:r>
-          <a:endParaRPr lang="en-US" sz="1600" kern="1200" dirty="0"/>
+          <a:endParaRPr lang="en-US" sz="1600" b="1" kern="1200" dirty="0">
+            <a:solidFill>
+              <a:schemeClr val="bg1"/>
+            </a:solidFill>
+          </a:endParaRPr>
         </a:p>
       </dsp:txBody>
       <dsp:txXfrm>
-        <a:off x="2348854" y="62013"/>
-        <a:ext cx="1596207" cy="774022"/>
+        <a:off x="2498181" y="33018"/>
+        <a:ext cx="1467492" cy="662154"/>
       </dsp:txXfrm>
     </dsp:sp>
-    <dsp:sp modelId="{A1DB2EE6-1785-9E4A-A583-BDBE2B508D05}">
-      <dsp:nvSpPr>
-        <dsp:cNvPr id="0" name=""/>
-        <dsp:cNvSpPr/>
-      </dsp:nvSpPr>
-      <dsp:spPr>
-        <a:xfrm rot="3407563">
-          <a:off x="3423549" y="1140412"/>
-          <a:ext cx="863687" cy="287764"/>
-        </a:xfrm>
-        <a:prstGeom prst="leftRightArrow">
-          <a:avLst>
-            <a:gd name="adj1" fmla="val 60000"/>
-            <a:gd name="adj2" fmla="val 50000"/>
-          </a:avLst>
-        </a:prstGeom>
-        <a:gradFill rotWithShape="0">
-          <a:gsLst>
-            <a:gs pos="0">
-              <a:schemeClr val="accent1">
-                <a:tint val="60000"/>
-                <a:hueOff val="0"/>
-                <a:satOff val="0"/>
-                <a:lumOff val="0"/>
-                <a:alphaOff val="0"/>
-                <a:tint val="100000"/>
-                <a:shade val="100000"/>
-                <a:satMod val="130000"/>
-              </a:schemeClr>
-            </a:gs>
-            <a:gs pos="100000">
-              <a:schemeClr val="accent1">
-                <a:tint val="60000"/>
-                <a:hueOff val="0"/>
-                <a:satOff val="0"/>
-                <a:lumOff val="0"/>
-                <a:alphaOff val="0"/>
-                <a:tint val="50000"/>
-                <a:shade val="100000"/>
-                <a:satMod val="350000"/>
-              </a:schemeClr>
-            </a:gs>
-          </a:gsLst>
-          <a:lin ang="16200000" scaled="0"/>
-        </a:gradFill>
-        <a:ln>
-          <a:noFill/>
-        </a:ln>
-        <a:effectLst>
-          <a:outerShdw blurRad="40000" dist="23000" dir="5400000" rotWithShape="0">
-            <a:srgbClr val="000000">
-              <a:alpha val="35000"/>
-            </a:srgbClr>
-          </a:outerShdw>
-        </a:effectLst>
-      </dsp:spPr>
-      <dsp:style>
-        <a:lnRef idx="0">
-          <a:scrgbClr r="0" g="0" b="0"/>
-        </a:lnRef>
-        <a:fillRef idx="3">
-          <a:scrgbClr r="0" g="0" b="0"/>
-        </a:fillRef>
-        <a:effectRef idx="2">
-          <a:scrgbClr r="0" g="0" b="0"/>
-        </a:effectRef>
-        <a:fontRef idx="minor">
-          <a:schemeClr val="lt1"/>
-        </a:fontRef>
-      </dsp:style>
-      <dsp:txBody>
-        <a:bodyPr spcFirstLastPara="0" vert="horz" wrap="square" lIns="0" tIns="0" rIns="0" bIns="0" numCol="1" spcCol="1270" anchor="ctr" anchorCtr="0">
-          <a:noAutofit/>
-        </a:bodyPr>
-        <a:lstStyle/>
-        <a:p>
-          <a:pPr lvl="0" algn="ctr" defTabSz="533400">
-            <a:lnSpc>
-              <a:spcPct val="90000"/>
-            </a:lnSpc>
-            <a:spcBef>
-              <a:spcPct val="0"/>
-            </a:spcBef>
-            <a:spcAft>
-              <a:spcPct val="35000"/>
-            </a:spcAft>
-          </a:pPr>
-          <a:endParaRPr lang="en-US" sz="1200" kern="1200"/>
-        </a:p>
-      </dsp:txBody>
-      <dsp:txXfrm>
-        <a:off x="3509878" y="1197965"/>
-        <a:ext cx="691029" cy="172658"/>
-      </dsp:txXfrm>
-    </dsp:sp>
-    <dsp:sp modelId="{B5E4C2E9-F2ED-7D44-BB8A-8746B9197731}">
+    <dsp:sp modelId="{D7AC7C14-3750-3542-A71F-B5DBE4767B8A}">
       <dsp:nvSpPr>
         <dsp:cNvPr id="0" name=""/>
         <dsp:cNvSpPr/>
       </dsp:nvSpPr>
       <dsp:spPr>
         <a:xfrm>
-          <a:off x="3637498" y="1708473"/>
-          <a:ext cx="1644369" cy="822184"/>
+          <a:off x="1933204" y="561174"/>
+          <a:ext cx="1928206" cy="1928206"/>
+        </a:xfrm>
+        <a:custGeom>
+          <a:avLst/>
+          <a:gdLst/>
+          <a:ahLst/>
+          <a:cxnLst/>
+          <a:rect l="0" t="0" r="0" b="0"/>
+          <a:pathLst>
+            <a:path>
+              <a:moveTo>
+                <a:pt x="1638456" y="275087"/>
+              </a:moveTo>
+              <a:arcTo wR="964103" hR="964103" stAng="18863030" swAng="1873940"/>
+            </a:path>
+          </a:pathLst>
+        </a:custGeom>
+        <a:noFill/>
+        <a:ln w="9525" cap="flat" cmpd="sng" algn="ctr">
+          <a:solidFill>
+            <a:schemeClr val="accent1">
+              <a:hueOff val="0"/>
+              <a:satOff val="0"/>
+              <a:lumOff val="0"/>
+              <a:alphaOff val="0"/>
+            </a:schemeClr>
+          </a:solidFill>
+          <a:prstDash val="solid"/>
+          <a:tailEnd type="arrow"/>
+        </a:ln>
+        <a:effectLst/>
+      </dsp:spPr>
+      <dsp:style>
+        <a:lnRef idx="1">
+          <a:scrgbClr r="0" g="0" b="0"/>
+        </a:lnRef>
+        <a:fillRef idx="0">
+          <a:scrgbClr r="0" g="0" b="0"/>
+        </a:fillRef>
+        <a:effectRef idx="0">
+          <a:scrgbClr r="0" g="0" b="0"/>
+        </a:effectRef>
+        <a:fontRef idx="minor"/>
+      </dsp:style>
+    </dsp:sp>
+    <dsp:sp modelId="{A46E98D2-4259-3C46-9086-4370C45DC96C}">
+      <dsp:nvSpPr>
+        <dsp:cNvPr id="0" name=""/>
+        <dsp:cNvSpPr/>
+      </dsp:nvSpPr>
+      <dsp:spPr>
+        <a:xfrm>
+          <a:off x="3511378" y="1449182"/>
+          <a:ext cx="1110975" cy="722133"/>
         </a:xfrm>
         <a:prstGeom prst="roundRect">
-          <a:avLst>
-            <a:gd name="adj" fmla="val 10000"/>
-          </a:avLst>
+          <a:avLst/>
         </a:prstGeom>
         <a:solidFill>
           <a:schemeClr val="accent3"/>
@@ -1413,25 +1454,32 @@
           <a:noFill/>
         </a:ln>
         <a:effectLst>
-          <a:outerShdw blurRad="40000" dist="23000" dir="5400000" rotWithShape="0">
+          <a:outerShdw blurRad="40000" dist="20000" dir="5400000" rotWithShape="0">
             <a:srgbClr val="000000">
-              <a:alpha val="35000"/>
+              <a:alpha val="38000"/>
             </a:srgbClr>
           </a:outerShdw>
         </a:effectLst>
+        <a:scene3d>
+          <a:camera prst="orthographicFront"/>
+          <a:lightRig rig="flat" dir="t"/>
+        </a:scene3d>
+        <a:sp3d prstMaterial="dkEdge">
+          <a:bevelT w="8200" h="38100"/>
+        </a:sp3d>
       </dsp:spPr>
       <dsp:style>
         <a:lnRef idx="0">
           <a:scrgbClr r="0" g="0" b="0"/>
         </a:lnRef>
-        <a:fillRef idx="3">
+        <a:fillRef idx="2">
           <a:scrgbClr r="0" g="0" b="0"/>
         </a:fillRef>
-        <a:effectRef idx="2">
+        <a:effectRef idx="1">
           <a:scrgbClr r="0" g="0" b="0"/>
         </a:effectRef>
         <a:fontRef idx="minor">
-          <a:schemeClr val="lt1"/>
+          <a:schemeClr val="dk1"/>
         </a:fontRef>
       </dsp:style>
       <dsp:txBody>
@@ -1452,126 +1500,90 @@
             </a:spcAft>
           </a:pPr>
           <a:r>
-            <a:rPr lang="en-US" sz="1600" kern="1200" dirty="0" smtClean="0"/>
+            <a:rPr lang="en-US" sz="1600" b="1" kern="1200" dirty="0" smtClean="0">
+              <a:solidFill>
+                <a:srgbClr val="FFFFFF"/>
+              </a:solidFill>
+            </a:rPr>
             <a:t>Write Code</a:t>
           </a:r>
-          <a:endParaRPr lang="en-US" sz="1600" kern="1200" dirty="0"/>
+          <a:endParaRPr lang="en-US" sz="1600" b="1" kern="1200" dirty="0">
+            <a:solidFill>
+              <a:srgbClr val="FFFFFF"/>
+            </a:solidFill>
+          </a:endParaRPr>
         </a:p>
       </dsp:txBody>
       <dsp:txXfrm>
-        <a:off x="3661579" y="1732554"/>
-        <a:ext cx="1596207" cy="774022"/>
+        <a:off x="3546630" y="1484434"/>
+        <a:ext cx="1040471" cy="651629"/>
       </dsp:txXfrm>
     </dsp:sp>
-    <dsp:sp modelId="{5E804890-5D17-3849-A214-087269675936}">
-      <dsp:nvSpPr>
-        <dsp:cNvPr id="0" name=""/>
-        <dsp:cNvSpPr/>
-      </dsp:nvSpPr>
-      <dsp:spPr>
-        <a:xfrm rot="10805258">
-          <a:off x="2734255" y="1973706"/>
-          <a:ext cx="865741" cy="287764"/>
-        </a:xfrm>
-        <a:prstGeom prst="leftRightArrow">
-          <a:avLst>
-            <a:gd name="adj1" fmla="val 60000"/>
-            <a:gd name="adj2" fmla="val 50000"/>
-          </a:avLst>
-        </a:prstGeom>
-        <a:gradFill rotWithShape="0">
-          <a:gsLst>
-            <a:gs pos="0">
-              <a:schemeClr val="accent1">
-                <a:tint val="60000"/>
-                <a:hueOff val="0"/>
-                <a:satOff val="0"/>
-                <a:lumOff val="0"/>
-                <a:alphaOff val="0"/>
-                <a:tint val="100000"/>
-                <a:shade val="100000"/>
-                <a:satMod val="130000"/>
-              </a:schemeClr>
-            </a:gs>
-            <a:gs pos="100000">
-              <a:schemeClr val="accent1">
-                <a:tint val="60000"/>
-                <a:hueOff val="0"/>
-                <a:satOff val="0"/>
-                <a:lumOff val="0"/>
-                <a:alphaOff val="0"/>
-                <a:tint val="50000"/>
-                <a:shade val="100000"/>
-                <a:satMod val="350000"/>
-              </a:schemeClr>
-            </a:gs>
-          </a:gsLst>
-          <a:lin ang="16200000" scaled="0"/>
-        </a:gradFill>
-        <a:ln>
-          <a:noFill/>
-        </a:ln>
-        <a:effectLst>
-          <a:outerShdw blurRad="40000" dist="23000" dir="5400000" rotWithShape="0">
-            <a:srgbClr val="000000">
-              <a:alpha val="35000"/>
-            </a:srgbClr>
-          </a:outerShdw>
-        </a:effectLst>
-      </dsp:spPr>
-      <dsp:style>
-        <a:lnRef idx="0">
-          <a:scrgbClr r="0" g="0" b="0"/>
-        </a:lnRef>
-        <a:fillRef idx="3">
-          <a:scrgbClr r="0" g="0" b="0"/>
-        </a:fillRef>
-        <a:effectRef idx="2">
-          <a:scrgbClr r="0" g="0" b="0"/>
-        </a:effectRef>
-        <a:fontRef idx="minor">
-          <a:schemeClr val="lt1"/>
-        </a:fontRef>
-      </dsp:style>
-      <dsp:txBody>
-        <a:bodyPr spcFirstLastPara="0" vert="horz" wrap="square" lIns="0" tIns="0" rIns="0" bIns="0" numCol="1" spcCol="1270" anchor="ctr" anchorCtr="0">
-          <a:noAutofit/>
-        </a:bodyPr>
-        <a:lstStyle/>
-        <a:p>
-          <a:pPr lvl="0" algn="ctr" defTabSz="533400">
-            <a:lnSpc>
-              <a:spcPct val="90000"/>
-            </a:lnSpc>
-            <a:spcBef>
-              <a:spcPct val="0"/>
-            </a:spcBef>
-            <a:spcAft>
-              <a:spcPct val="35000"/>
-            </a:spcAft>
-          </a:pPr>
-          <a:endParaRPr lang="en-US" sz="1200" kern="1200"/>
-        </a:p>
-      </dsp:txBody>
-      <dsp:txXfrm rot="10800000">
-        <a:off x="2820584" y="2031259"/>
-        <a:ext cx="693083" cy="172658"/>
-      </dsp:txXfrm>
-    </dsp:sp>
-    <dsp:sp modelId="{B37D5F11-98A0-6647-AA05-A6866ABF8272}">
+    <dsp:sp modelId="{940675C5-915B-4947-AE5C-AD6BA8D06D75}">
       <dsp:nvSpPr>
         <dsp:cNvPr id="0" name=""/>
         <dsp:cNvSpPr/>
       </dsp:nvSpPr>
       <dsp:spPr>
         <a:xfrm>
-          <a:off x="1052384" y="1704519"/>
-          <a:ext cx="1644369" cy="822184"/>
+          <a:off x="2267824" y="364094"/>
+          <a:ext cx="1928206" cy="1928206"/>
+        </a:xfrm>
+        <a:custGeom>
+          <a:avLst/>
+          <a:gdLst/>
+          <a:ahLst/>
+          <a:cxnLst/>
+          <a:rect l="0" t="0" r="0" b="0"/>
+          <a:pathLst>
+            <a:path>
+              <a:moveTo>
+                <a:pt x="1260384" y="1881552"/>
+              </a:moveTo>
+              <a:arcTo wR="964103" hR="964103" stAng="4326158" swAng="2147684"/>
+            </a:path>
+          </a:pathLst>
+        </a:custGeom>
+        <a:noFill/>
+        <a:ln w="9525" cap="flat" cmpd="sng" algn="ctr">
+          <a:solidFill>
+            <a:schemeClr val="accent1">
+              <a:hueOff val="0"/>
+              <a:satOff val="0"/>
+              <a:lumOff val="0"/>
+              <a:alphaOff val="0"/>
+            </a:schemeClr>
+          </a:solidFill>
+          <a:prstDash val="solid"/>
+          <a:tailEnd type="arrow"/>
+        </a:ln>
+        <a:effectLst/>
+      </dsp:spPr>
+      <dsp:style>
+        <a:lnRef idx="1">
+          <a:scrgbClr r="0" g="0" b="0"/>
+        </a:lnRef>
+        <a:fillRef idx="0">
+          <a:scrgbClr r="0" g="0" b="0"/>
+        </a:fillRef>
+        <a:effectRef idx="0">
+          <a:scrgbClr r="0" g="0" b="0"/>
+        </a:effectRef>
+        <a:fontRef idx="minor"/>
+      </dsp:style>
+    </dsp:sp>
+    <dsp:sp modelId="{92356B7A-CF62-1B4D-93A4-602CA4252922}">
+      <dsp:nvSpPr>
+        <dsp:cNvPr id="0" name=""/>
+        <dsp:cNvSpPr/>
+      </dsp:nvSpPr>
+      <dsp:spPr>
+        <a:xfrm>
+          <a:off x="1841502" y="1449182"/>
+          <a:ext cx="1110975" cy="722133"/>
         </a:xfrm>
         <a:prstGeom prst="roundRect">
-          <a:avLst>
-            <a:gd name="adj" fmla="val 10000"/>
-          </a:avLst>
+          <a:avLst/>
         </a:prstGeom>
         <a:solidFill>
           <a:schemeClr val="accent1"/>
@@ -1580,25 +1592,32 @@
           <a:noFill/>
         </a:ln>
         <a:effectLst>
-          <a:outerShdw blurRad="40000" dist="23000" dir="5400000" rotWithShape="0">
+          <a:outerShdw blurRad="40000" dist="20000" dir="5400000" rotWithShape="0">
             <a:srgbClr val="000000">
-              <a:alpha val="35000"/>
+              <a:alpha val="38000"/>
             </a:srgbClr>
           </a:outerShdw>
         </a:effectLst>
+        <a:scene3d>
+          <a:camera prst="orthographicFront"/>
+          <a:lightRig rig="flat" dir="t"/>
+        </a:scene3d>
+        <a:sp3d prstMaterial="dkEdge">
+          <a:bevelT w="8200" h="38100"/>
+        </a:sp3d>
       </dsp:spPr>
       <dsp:style>
         <a:lnRef idx="0">
           <a:scrgbClr r="0" g="0" b="0"/>
         </a:lnRef>
-        <a:fillRef idx="3">
+        <a:fillRef idx="2">
           <a:scrgbClr r="0" g="0" b="0"/>
         </a:fillRef>
-        <a:effectRef idx="2">
+        <a:effectRef idx="1">
           <a:scrgbClr r="0" g="0" b="0"/>
         </a:effectRef>
         <a:fontRef idx="minor">
-          <a:schemeClr val="lt1"/>
+          <a:schemeClr val="dk1"/>
         </a:fontRef>
       </dsp:style>
       <dsp:txBody>
@@ -1619,122 +1638,88 @@
             </a:spcAft>
           </a:pPr>
           <a:r>
-            <a:rPr lang="en-US" sz="1600" kern="1200" dirty="0" smtClean="0"/>
+            <a:rPr lang="en-US" sz="1600" b="1" kern="1200" dirty="0" smtClean="0">
+              <a:solidFill>
+                <a:srgbClr val="FFFFFF"/>
+              </a:solidFill>
+            </a:rPr>
             <a:t>Refactor Code</a:t>
           </a:r>
-          <a:endParaRPr lang="en-US" sz="1600" kern="1200" dirty="0"/>
+          <a:endParaRPr lang="en-US" sz="1600" b="1" kern="1200" dirty="0">
+            <a:solidFill>
+              <a:srgbClr val="FFFFFF"/>
+            </a:solidFill>
+          </a:endParaRPr>
         </a:p>
       </dsp:txBody>
       <dsp:txXfrm>
-        <a:off x="1076465" y="1728600"/>
-        <a:ext cx="1596207" cy="774022"/>
+        <a:off x="1876754" y="1484434"/>
+        <a:ext cx="1040471" cy="651629"/>
       </dsp:txXfrm>
     </dsp:sp>
-    <dsp:sp modelId="{9A6314DB-E799-A840-93FB-D89C6EB34B75}">
+    <dsp:sp modelId="{7DFB023A-B0AF-684D-9790-800196DEC3F0}">
       <dsp:nvSpPr>
         <dsp:cNvPr id="0" name=""/>
         <dsp:cNvSpPr/>
       </dsp:nvSpPr>
       <dsp:spPr>
-        <a:xfrm rot="18292188">
-          <a:off x="1971249" y="1138435"/>
-          <a:ext cx="811780" cy="287764"/>
+        <a:xfrm>
+          <a:off x="2602444" y="561174"/>
+          <a:ext cx="1928206" cy="1928206"/>
         </a:xfrm>
-        <a:prstGeom prst="leftRightArrow">
-          <a:avLst>
-            <a:gd name="adj1" fmla="val 60000"/>
-            <a:gd name="adj2" fmla="val 50000"/>
-          </a:avLst>
-        </a:prstGeom>
-        <a:gradFill rotWithShape="0">
-          <a:gsLst>
-            <a:gs pos="0">
-              <a:schemeClr val="accent1">
-                <a:tint val="60000"/>
-                <a:hueOff val="0"/>
-                <a:satOff val="0"/>
-                <a:lumOff val="0"/>
-                <a:alphaOff val="0"/>
-                <a:tint val="100000"/>
-                <a:shade val="100000"/>
-                <a:satMod val="130000"/>
-              </a:schemeClr>
-            </a:gs>
-            <a:gs pos="100000">
-              <a:schemeClr val="accent1">
-                <a:tint val="60000"/>
-                <a:hueOff val="0"/>
-                <a:satOff val="0"/>
-                <a:lumOff val="0"/>
-                <a:alphaOff val="0"/>
-                <a:tint val="50000"/>
-                <a:shade val="100000"/>
-                <a:satMod val="350000"/>
-              </a:schemeClr>
-            </a:gs>
-          </a:gsLst>
-          <a:lin ang="16200000" scaled="0"/>
-        </a:gradFill>
-        <a:ln>
-          <a:noFill/>
+        <a:custGeom>
+          <a:avLst/>
+          <a:gdLst/>
+          <a:ahLst/>
+          <a:cxnLst/>
+          <a:rect l="0" t="0" r="0" b="0"/>
+          <a:pathLst>
+            <a:path>
+              <a:moveTo>
+                <a:pt x="30221" y="724604"/>
+              </a:moveTo>
+              <a:arcTo wR="964103" hR="964103" stAng="11663030" swAng="1873940"/>
+            </a:path>
+          </a:pathLst>
+        </a:custGeom>
+        <a:noFill/>
+        <a:ln w="9525" cap="flat" cmpd="sng" algn="ctr">
+          <a:solidFill>
+            <a:schemeClr val="accent1">
+              <a:hueOff val="0"/>
+              <a:satOff val="0"/>
+              <a:lumOff val="0"/>
+              <a:alphaOff val="0"/>
+            </a:schemeClr>
+          </a:solidFill>
+          <a:prstDash val="solid"/>
+          <a:tailEnd type="arrow"/>
         </a:ln>
-        <a:effectLst>
-          <a:outerShdw blurRad="40000" dist="23000" dir="5400000" rotWithShape="0">
-            <a:srgbClr val="000000">
-              <a:alpha val="35000"/>
-            </a:srgbClr>
-          </a:outerShdw>
-        </a:effectLst>
+        <a:effectLst/>
       </dsp:spPr>
       <dsp:style>
-        <a:lnRef idx="0">
+        <a:lnRef idx="1">
           <a:scrgbClr r="0" g="0" b="0"/>
         </a:lnRef>
-        <a:fillRef idx="3">
+        <a:fillRef idx="0">
           <a:scrgbClr r="0" g="0" b="0"/>
         </a:fillRef>
-        <a:effectRef idx="2">
+        <a:effectRef idx="0">
           <a:scrgbClr r="0" g="0" b="0"/>
         </a:effectRef>
-        <a:fontRef idx="minor">
-          <a:schemeClr val="lt1"/>
-        </a:fontRef>
+        <a:fontRef idx="minor"/>
       </dsp:style>
-      <dsp:txBody>
-        <a:bodyPr spcFirstLastPara="0" vert="horz" wrap="square" lIns="0" tIns="0" rIns="0" bIns="0" numCol="1" spcCol="1270" anchor="ctr" anchorCtr="0">
-          <a:noAutofit/>
-        </a:bodyPr>
-        <a:lstStyle/>
-        <a:p>
-          <a:pPr lvl="0" algn="ctr" defTabSz="533400">
-            <a:lnSpc>
-              <a:spcPct val="90000"/>
-            </a:lnSpc>
-            <a:spcBef>
-              <a:spcPct val="0"/>
-            </a:spcBef>
-            <a:spcAft>
-              <a:spcPct val="35000"/>
-            </a:spcAft>
-          </a:pPr>
-          <a:endParaRPr lang="en-US" sz="1200" kern="1200"/>
-        </a:p>
-      </dsp:txBody>
-      <dsp:txXfrm>
-        <a:off x="2057578" y="1195988"/>
-        <a:ext cx="639122" cy="172658"/>
-      </dsp:txXfrm>
     </dsp:sp>
   </dsp:spTree>
 </dsp:drawing>
 </file>
 
 <file path=ppt/diagrams/layout1.xml><?xml version="1.0" encoding="utf-8"?>
-<dgm:layoutDef xmlns:dgm="http://schemas.openxmlformats.org/drawingml/2006/diagram" xmlns:a="http://schemas.openxmlformats.org/drawingml/2006/main" uniqueId="urn:microsoft.com/office/officeart/2005/8/layout/cycle7">
+<dgm:layoutDef xmlns:dgm="http://schemas.openxmlformats.org/drawingml/2006/diagram" xmlns:a="http://schemas.openxmlformats.org/drawingml/2006/main" uniqueId="urn:microsoft.com/office/officeart/2005/8/layout/cycle5">
   <dgm:title val=""/>
   <dgm:desc val=""/>
   <dgm:catLst>
-    <dgm:cat type="cycle" pri="6000"/>
+    <dgm:cat type="cycle" pri="3000"/>
   </dgm:catLst>
   <dgm:sampData>
     <dgm:dataModel>
@@ -1749,11 +1734,19 @@
         <dgm:pt modelId="3">
           <dgm:prSet phldr="1"/>
         </dgm:pt>
+        <dgm:pt modelId="4">
+          <dgm:prSet phldr="1"/>
+        </dgm:pt>
+        <dgm:pt modelId="5">
+          <dgm:prSet phldr="1"/>
+        </dgm:pt>
       </dgm:ptLst>
       <dgm:cxnLst>
         <dgm:cxn modelId="6" srcId="0" destId="1" srcOrd="0" destOrd="0"/>
         <dgm:cxn modelId="7" srcId="0" destId="2" srcOrd="1" destOrd="0"/>
         <dgm:cxn modelId="8" srcId="0" destId="3" srcOrd="2" destOrd="0"/>
+        <dgm:cxn modelId="9" srcId="0" destId="4" srcOrd="3" destOrd="0"/>
+        <dgm:cxn modelId="10" srcId="0" destId="5" srcOrd="4" destOrd="0"/>
       </dgm:cxnLst>
       <dgm:bg/>
       <dgm:whole/>
@@ -1799,54 +1792,85 @@
       <dgm:whole/>
     </dgm:dataModel>
   </dgm:clrData>
-  <dgm:layoutNode name="Name0">
+  <dgm:layoutNode name="cycle">
     <dgm:varLst>
       <dgm:dir/>
       <dgm:resizeHandles val="exact"/>
     </dgm:varLst>
-    <dgm:choose name="Name1">
-      <dgm:if name="Name2" func="var" arg="dir" op="equ" val="norm">
-        <dgm:alg type="cycle">
-          <dgm:param type="stAng" val="0"/>
-          <dgm:param type="spanAng" val="360"/>
-        </dgm:alg>
+    <dgm:choose name="Name0">
+      <dgm:if name="Name1" func="var" arg="dir" op="equ" val="norm">
+        <dgm:choose name="Name2">
+          <dgm:if name="Name3" axis="ch" ptType="node" func="cnt" op="gt" val="2">
+            <dgm:alg type="cycle">
+              <dgm:param type="stAng" val="0"/>
+              <dgm:param type="spanAng" val="360"/>
+            </dgm:alg>
+          </dgm:if>
+          <dgm:else name="Name4">
+            <dgm:alg type="cycle">
+              <dgm:param type="stAng" val="-90"/>
+              <dgm:param type="spanAng" val="360"/>
+            </dgm:alg>
+          </dgm:else>
+        </dgm:choose>
       </dgm:if>
-      <dgm:else name="Name3">
-        <dgm:alg type="cycle">
-          <dgm:param type="stAng" val="0"/>
-          <dgm:param type="spanAng" val="-360"/>
-        </dgm:alg>
+      <dgm:else name="Name5">
+        <dgm:choose name="Name6">
+          <dgm:if name="Name7" axis="ch" ptType="node" func="cnt" op="gt" val="2">
+            <dgm:alg type="cycle">
+              <dgm:param type="stAng" val="0"/>
+              <dgm:param type="spanAng" val="-360"/>
+            </dgm:alg>
+          </dgm:if>
+          <dgm:else name="Name8">
+            <dgm:alg type="cycle">
+              <dgm:param type="stAng" val="90"/>
+              <dgm:param type="spanAng" val="-360"/>
+            </dgm:alg>
+          </dgm:else>
+        </dgm:choose>
       </dgm:else>
     </dgm:choose>
     <dgm:shape xmlns:r="http://schemas.openxmlformats.org/officeDocument/2006/relationships" r:blip="">
       <dgm:adjLst/>
     </dgm:shape>
     <dgm:presOf/>
-    <dgm:constrLst>
-      <dgm:constr type="diam" refType="w"/>
-      <dgm:constr type="w" for="ch" ptType="node" refType="w"/>
-      <dgm:constr type="primFontSz" for="ch" ptType="node" op="equ" val="65"/>
-      <dgm:constr type="w" for="ch" forName="sibTrans" refType="w" refFor="ch" refPtType="node" op="equ" fact="0.35"/>
-      <dgm:constr type="connDist" for="ch" forName="sibTrans" op="equ"/>
-      <dgm:constr type="primFontSz" for="des" forName="connectorText" op="equ" val="55"/>
-      <dgm:constr type="primFontSz" for="des" forName="connectorText" refType="primFontSz" refFor="ch" refPtType="node" op="lte" fact="0.8"/>
-      <dgm:constr type="sibSp" refType="w" refFor="ch" refPtType="node" op="equ" fact="0.65"/>
-    </dgm:constrLst>
+    <dgm:choose name="Name9">
+      <dgm:if name="Name10" func="var" arg="dir" op="equ" val="norm">
+        <dgm:constrLst>
+          <dgm:constr type="w" for="ch" forName="node" refType="w"/>
+          <dgm:constr type="w" for="ch" ptType="sibTrans" refType="w" refFor="ch" refForName="node" op="equ" fact="0.3"/>
+          <dgm:constr type="diam" for="ch" ptType="sibTrans" refType="diam" op="equ"/>
+          <dgm:constr type="sibSp" refType="w" refFor="ch" refForName="node" op="equ" fact="0.15"/>
+          <dgm:constr type="w" for="ch" forName="spNode" refType="sibSp" fact="1.6"/>
+          <dgm:constr type="primFontSz" for="ch" forName="node" op="equ" val="65"/>
+        </dgm:constrLst>
+      </dgm:if>
+      <dgm:else name="Name11">
+        <dgm:constrLst>
+          <dgm:constr type="w" for="ch" forName="node" refType="w"/>
+          <dgm:constr type="w" for="ch" ptType="sibTrans" refType="w" refFor="ch" refForName="node" op="equ" fact="0.3"/>
+          <dgm:constr type="diam" for="ch" ptType="sibTrans" refType="diam" fact="-1"/>
+          <dgm:constr type="diam" for="ch" refType="diam" op="equ" fact="-1"/>
+          <dgm:constr type="sibSp" refType="w" refFor="ch" refForName="node" op="equ" fact="0.15"/>
+          <dgm:constr type="w" for="ch" forName="spNode" refType="sibSp" fact="1.6"/>
+          <dgm:constr type="primFontSz" for="ch" forName="node" op="equ" val="65"/>
+        </dgm:constrLst>
+      </dgm:else>
+    </dgm:choose>
     <dgm:ruleLst/>
-    <dgm:forEach name="nodesForEach" axis="ch" ptType="node">
+    <dgm:forEach name="Name12" axis="ch" ptType="node">
       <dgm:layoutNode name="node">
         <dgm:varLst>
           <dgm:bulletEnabled val="1"/>
         </dgm:varLst>
         <dgm:alg type="tx"/>
         <dgm:shape xmlns:r="http://schemas.openxmlformats.org/officeDocument/2006/relationships" type="roundRect" r:blip="">
-          <dgm:adjLst>
-            <dgm:adj idx="1" val="0.1"/>
-          </dgm:adjLst>
+          <dgm:adjLst/>
         </dgm:shape>
         <dgm:presOf axis="desOrSelf" ptType="node"/>
         <dgm:constrLst>
-          <dgm:constr type="h" refType="w" fact="0.5"/>
+          <dgm:constr type="h" refType="w" fact="0.65"/>
           <dgm:constr type="tMarg" refType="primFontSz" fact="0.3"/>
           <dgm:constr type="bMarg" refType="primFontSz" fact="0.3"/>
           <dgm:constr type="lMarg" refType="primFontSz" fact="0.3"/>
@@ -1856,61 +1880,42 @@
           <dgm:rule type="primFontSz" val="5" fact="NaN" max="NaN"/>
         </dgm:ruleLst>
       </dgm:layoutNode>
-      <dgm:choose name="Name4">
-        <dgm:if name="Name5" axis="par ch" ptType="doc node" func="cnt" op="gt" val="1">
-          <dgm:forEach name="sibTransForEach" axis="followSib" ptType="sibTrans" hideLastTrans="0" cnt="1">
+      <dgm:choose name="Name13">
+        <dgm:if name="Name14" axis="par ch" ptType="doc node" func="cnt" op="gt" val="1">
+          <dgm:layoutNode name="spNode">
+            <dgm:alg type="sp"/>
+            <dgm:shape xmlns:r="http://schemas.openxmlformats.org/officeDocument/2006/relationships" r:blip="">
+              <dgm:adjLst/>
+            </dgm:shape>
+            <dgm:presOf/>
+            <dgm:constrLst>
+              <dgm:constr type="h" refType="w"/>
+            </dgm:constrLst>
+            <dgm:ruleLst/>
+          </dgm:layoutNode>
+          <dgm:forEach name="Name15" axis="followSib" ptType="sibTrans" hideLastTrans="0" cnt="1">
             <dgm:layoutNode name="sibTrans">
-              <dgm:choose name="Name6">
-                <dgm:if name="Name7" axis="par ch" ptType="doc node" func="posEven" op="equ" val="1">
-                  <dgm:alg type="conn">
-                    <dgm:param type="begPts" val="radial"/>
-                    <dgm:param type="endPts" val="radial"/>
-                    <dgm:param type="begSty" val="arr"/>
-                    <dgm:param type="endSty" val="arr"/>
-                  </dgm:alg>
-                </dgm:if>
-                <dgm:else name="Name8">
-                  <dgm:alg type="conn">
-                    <dgm:param type="begPts" val="auto"/>
-                    <dgm:param type="endPts" val="auto"/>
-                    <dgm:param type="begSty" val="arr"/>
-                    <dgm:param type="endSty" val="arr"/>
-                  </dgm:alg>
-                </dgm:else>
-              </dgm:choose>
+              <dgm:alg type="conn">
+                <dgm:param type="dim" val="1D"/>
+                <dgm:param type="connRout" val="curve"/>
+                <dgm:param type="begPts" val="radial"/>
+                <dgm:param type="endPts" val="radial"/>
+              </dgm:alg>
               <dgm:shape xmlns:r="http://schemas.openxmlformats.org/officeDocument/2006/relationships" type="conn" r:blip="">
                 <dgm:adjLst/>
               </dgm:shape>
               <dgm:presOf axis="self"/>
               <dgm:constrLst>
-                <dgm:constr type="h" refType="w" fact="0.5"/>
+                <dgm:constr type="h" refType="w" fact="0.65"/>
                 <dgm:constr type="connDist"/>
-                <dgm:constr type="begPad" refType="connDist" fact="0.1"/>
-                <dgm:constr type="endPad" refType="connDist" fact="0.1"/>
+                <dgm:constr type="begPad" refType="connDist" fact="0.2"/>
+                <dgm:constr type="endPad" refType="connDist" fact="0.2"/>
               </dgm:constrLst>
               <dgm:ruleLst/>
-              <dgm:layoutNode name="connectorText">
-                <dgm:alg type="tx">
-                  <dgm:param type="autoTxRot" val="grav"/>
-                </dgm:alg>
-                <dgm:shape xmlns:r="http://schemas.openxmlformats.org/officeDocument/2006/relationships" type="conn" r:blip="" hideGeom="1">
-                  <dgm:adjLst/>
-                </dgm:shape>
-                <dgm:presOf axis="self"/>
-                <dgm:constrLst>
-                  <dgm:constr type="lMarg"/>
-                  <dgm:constr type="rMarg"/>
-                  <dgm:constr type="tMarg"/>
-                  <dgm:constr type="bMarg"/>
-                </dgm:constrLst>
-                <dgm:ruleLst>
-                  <dgm:rule type="primFontSz" val="5" fact="NaN" max="NaN"/>
-                </dgm:ruleLst>
-              </dgm:layoutNode>
             </dgm:layoutNode>
           </dgm:forEach>
         </dgm:if>
-        <dgm:else name="Name9"/>
+        <dgm:else name="Name16"/>
       </dgm:choose>
     </dgm:forEach>
   </dgm:layoutNode>
@@ -1918,11 +1923,11 @@
 </file>
 
 <file path=ppt/diagrams/quickStyle1.xml><?xml version="1.0" encoding="utf-8"?>
-<dgm:styleDef xmlns:dgm="http://schemas.openxmlformats.org/drawingml/2006/diagram" xmlns:a="http://schemas.openxmlformats.org/drawingml/2006/main" uniqueId="urn:microsoft.com/office/officeart/2005/8/quickstyle/simple4">
+<dgm:styleDef xmlns:dgm="http://schemas.openxmlformats.org/drawingml/2006/diagram" xmlns:a="http://schemas.openxmlformats.org/drawingml/2006/main" uniqueId="urn:microsoft.com/office/officeart/2005/8/quickstyle/simple3">
   <dgm:title val=""/>
   <dgm:desc val=""/>
   <dgm:catLst>
-    <dgm:cat type="simple" pri="10400"/>
+    <dgm:cat type="simple" pri="10300"/>
   </dgm:catLst>
   <dgm:scene3d>
     <a:camera prst="orthographicFront"/>
@@ -1931,59 +1936,65 @@
   <dgm:styleLbl name="node0">
     <dgm:scene3d>
       <a:camera prst="orthographicFront"/>
-      <a:lightRig rig="threePt" dir="t"/>
+      <a:lightRig rig="flat" dir="t"/>
     </dgm:scene3d>
-    <dgm:sp3d/>
+    <dgm:sp3d prstMaterial="dkEdge">
+      <a:bevelT w="8200" h="38100"/>
+    </dgm:sp3d>
     <dgm:txPr/>
     <dgm:style>
       <a:lnRef idx="0">
         <a:scrgbClr r="0" g="0" b="0"/>
       </a:lnRef>
-      <a:fillRef idx="3">
+      <a:fillRef idx="2">
         <a:scrgbClr r="0" g="0" b="0"/>
       </a:fillRef>
-      <a:effectRef idx="2">
+      <a:effectRef idx="1">
         <a:scrgbClr r="0" g="0" b="0"/>
       </a:effectRef>
       <a:fontRef idx="minor">
-        <a:schemeClr val="lt1"/>
+        <a:schemeClr val="dk1"/>
       </a:fontRef>
     </dgm:style>
   </dgm:styleLbl>
   <dgm:styleLbl name="lnNode1">
     <dgm:scene3d>
       <a:camera prst="orthographicFront"/>
-      <a:lightRig rig="threePt" dir="t"/>
+      <a:lightRig rig="flat" dir="t"/>
     </dgm:scene3d>
-    <dgm:sp3d/>
+    <dgm:sp3d prstMaterial="dkEdge">
+      <a:bevelT w="8200" h="38100"/>
+    </dgm:sp3d>
     <dgm:txPr/>
     <dgm:style>
       <a:lnRef idx="1">
         <a:scrgbClr r="0" g="0" b="0"/>
       </a:lnRef>
-      <a:fillRef idx="3">
+      <a:fillRef idx="2">
         <a:scrgbClr r="0" g="0" b="0"/>
       </a:fillRef>
-      <a:effectRef idx="2">
+      <a:effectRef idx="0">
         <a:scrgbClr r="0" g="0" b="0"/>
       </a:effectRef>
       <a:fontRef idx="minor">
-        <a:schemeClr val="lt1"/>
+        <a:schemeClr val="dk1"/>
       </a:fontRef>
     </dgm:style>
   </dgm:styleLbl>
   <dgm:styleLbl name="vennNode1">
     <dgm:scene3d>
       <a:camera prst="orthographicFront"/>
-      <a:lightRig rig="threePt" dir="t"/>
+      <a:lightRig rig="flat" dir="t"/>
     </dgm:scene3d>
-    <dgm:sp3d/>
+    <dgm:sp3d prstMaterial="dkEdge">
+      <a:bevelT w="8200" h="38100"/>
+    </dgm:sp3d>
     <dgm:txPr/>
     <dgm:style>
       <a:lnRef idx="0">
         <a:scrgbClr r="0" g="0" b="0"/>
       </a:lnRef>
-      <a:fillRef idx="3">
+      <a:fillRef idx="2">
         <a:scrgbClr r="0" g="0" b="0"/>
       </a:fillRef>
       <a:effectRef idx="0">
@@ -2005,102 +2016,110 @@
       <a:lnRef idx="1">
         <a:scrgbClr r="0" g="0" b="0"/>
       </a:lnRef>
-      <a:fillRef idx="3">
+      <a:fillRef idx="2">
         <a:scrgbClr r="0" g="0" b="0"/>
       </a:fillRef>
-      <a:effectRef idx="2">
+      <a:effectRef idx="1">
         <a:scrgbClr r="0" g="0" b="0"/>
       </a:effectRef>
       <a:fontRef idx="minor">
-        <a:schemeClr val="lt1"/>
+        <a:schemeClr val="dk1"/>
       </a:fontRef>
     </dgm:style>
   </dgm:styleLbl>
   <dgm:styleLbl name="node1">
     <dgm:scene3d>
       <a:camera prst="orthographicFront"/>
-      <a:lightRig rig="threePt" dir="t"/>
+      <a:lightRig rig="flat" dir="t"/>
     </dgm:scene3d>
-    <dgm:sp3d/>
+    <dgm:sp3d prstMaterial="dkEdge">
+      <a:bevelT w="8200" h="38100"/>
+    </dgm:sp3d>
     <dgm:txPr/>
     <dgm:style>
       <a:lnRef idx="0">
         <a:scrgbClr r="0" g="0" b="0"/>
       </a:lnRef>
-      <a:fillRef idx="3">
+      <a:fillRef idx="2">
         <a:scrgbClr r="0" g="0" b="0"/>
       </a:fillRef>
-      <a:effectRef idx="2">
+      <a:effectRef idx="1">
         <a:scrgbClr r="0" g="0" b="0"/>
       </a:effectRef>
       <a:fontRef idx="minor">
-        <a:schemeClr val="lt1"/>
+        <a:schemeClr val="dk1"/>
       </a:fontRef>
     </dgm:style>
   </dgm:styleLbl>
   <dgm:styleLbl name="node2">
     <dgm:scene3d>
       <a:camera prst="orthographicFront"/>
-      <a:lightRig rig="threePt" dir="t"/>
+      <a:lightRig rig="flat" dir="t"/>
     </dgm:scene3d>
-    <dgm:sp3d/>
+    <dgm:sp3d prstMaterial="dkEdge">
+      <a:bevelT w="8200" h="38100"/>
+    </dgm:sp3d>
     <dgm:txPr/>
     <dgm:style>
       <a:lnRef idx="0">
         <a:scrgbClr r="0" g="0" b="0"/>
       </a:lnRef>
-      <a:fillRef idx="3">
+      <a:fillRef idx="2">
         <a:scrgbClr r="0" g="0" b="0"/>
       </a:fillRef>
-      <a:effectRef idx="2">
+      <a:effectRef idx="1">
         <a:scrgbClr r="0" g="0" b="0"/>
       </a:effectRef>
       <a:fontRef idx="minor">
-        <a:schemeClr val="lt1"/>
+        <a:schemeClr val="dk1"/>
       </a:fontRef>
     </dgm:style>
   </dgm:styleLbl>
   <dgm:styleLbl name="node3">
     <dgm:scene3d>
       <a:camera prst="orthographicFront"/>
-      <a:lightRig rig="threePt" dir="t"/>
+      <a:lightRig rig="flat" dir="t"/>
     </dgm:scene3d>
-    <dgm:sp3d/>
+    <dgm:sp3d prstMaterial="dkEdge">
+      <a:bevelT w="8200" h="38100"/>
+    </dgm:sp3d>
     <dgm:txPr/>
     <dgm:style>
       <a:lnRef idx="0">
         <a:scrgbClr r="0" g="0" b="0"/>
       </a:lnRef>
-      <a:fillRef idx="3">
+      <a:fillRef idx="2">
         <a:scrgbClr r="0" g="0" b="0"/>
       </a:fillRef>
-      <a:effectRef idx="2">
+      <a:effectRef idx="1">
         <a:scrgbClr r="0" g="0" b="0"/>
       </a:effectRef>
       <a:fontRef idx="minor">
-        <a:schemeClr val="lt1"/>
+        <a:schemeClr val="dk1"/>
       </a:fontRef>
     </dgm:style>
   </dgm:styleLbl>
   <dgm:styleLbl name="node4">
     <dgm:scene3d>
       <a:camera prst="orthographicFront"/>
-      <a:lightRig rig="threePt" dir="t"/>
+      <a:lightRig rig="flat" dir="t"/>
     </dgm:scene3d>
-    <dgm:sp3d/>
+    <dgm:sp3d prstMaterial="dkEdge">
+      <a:bevelT w="8200" h="38100"/>
+    </dgm:sp3d>
     <dgm:txPr/>
     <dgm:style>
       <a:lnRef idx="0">
         <a:scrgbClr r="0" g="0" b="0"/>
       </a:lnRef>
-      <a:fillRef idx="3">
+      <a:fillRef idx="2">
         <a:scrgbClr r="0" g="0" b="0"/>
       </a:fillRef>
-      <a:effectRef idx="2">
+      <a:effectRef idx="1">
         <a:scrgbClr r="0" g="0" b="0"/>
       </a:effectRef>
       <a:fontRef idx="minor">
-        <a:schemeClr val="lt1"/>
+        <a:schemeClr val="dk1"/>
       </a:fontRef>
     </dgm:style>
   </dgm:styleLbl>
@@ -2112,13 +2131,13 @@
     <dgm:sp3d/>
     <dgm:txPr/>
     <dgm:style>
-      <a:lnRef idx="0">
+      <a:lnRef idx="1">
         <a:scrgbClr r="0" g="0" b="0"/>
       </a:lnRef>
       <a:fillRef idx="1">
         <a:scrgbClr r="0" g="0" b="0"/>
       </a:fillRef>
-      <a:effectRef idx="2">
+      <a:effectRef idx="1">
         <a:scrgbClr r="0" g="0" b="0"/>
       </a:effectRef>
       <a:fontRef idx="minor"/>
@@ -2132,13 +2151,13 @@
     <dgm:sp3d/>
     <dgm:txPr/>
     <dgm:style>
-      <a:lnRef idx="0">
+      <a:lnRef idx="1">
         <a:scrgbClr r="0" g="0" b="0"/>
       </a:lnRef>
       <a:fillRef idx="1">
         <a:scrgbClr r="0" g="0" b="0"/>
       </a:fillRef>
-      <a:effectRef idx="2">
+      <a:effectRef idx="1">
         <a:scrgbClr r="0" g="0" b="0"/>
       </a:effectRef>
       <a:fontRef idx="minor"/>
@@ -2152,13 +2171,13 @@
     <dgm:sp3d/>
     <dgm:txPr/>
     <dgm:style>
-      <a:lnRef idx="0">
+      <a:lnRef idx="1">
         <a:scrgbClr r="0" g="0" b="0"/>
       </a:lnRef>
       <a:fillRef idx="1">
         <a:scrgbClr r="0" g="0" b="0"/>
       </a:fillRef>
-      <a:effectRef idx="2">
+      <a:effectRef idx="1">
         <a:scrgbClr r="0" g="0" b="0"/>
       </a:effectRef>
       <a:fontRef idx="minor"/>
@@ -2175,14 +2194,14 @@
       <a:lnRef idx="0">
         <a:scrgbClr r="0" g="0" b="0"/>
       </a:lnRef>
-      <a:fillRef idx="3">
+      <a:fillRef idx="2">
         <a:scrgbClr r="0" g="0" b="0"/>
       </a:fillRef>
-      <a:effectRef idx="2">
+      <a:effectRef idx="1">
         <a:scrgbClr r="0" g="0" b="0"/>
       </a:effectRef>
       <a:fontRef idx="minor">
-        <a:schemeClr val="lt1"/>
+        <a:schemeClr val="dk1"/>
       </a:fontRef>
     </dgm:style>
   </dgm:styleLbl>
@@ -2197,14 +2216,14 @@
       <a:lnRef idx="0">
         <a:scrgbClr r="0" g="0" b="0"/>
       </a:lnRef>
-      <a:fillRef idx="3">
+      <a:fillRef idx="2">
         <a:scrgbClr r="0" g="0" b="0"/>
       </a:fillRef>
-      <a:effectRef idx="2">
+      <a:effectRef idx="1">
         <a:scrgbClr r="0" g="0" b="0"/>
       </a:effectRef>
       <a:fontRef idx="minor">
-        <a:schemeClr val="lt1"/>
+        <a:schemeClr val="dk1"/>
       </a:fontRef>
     </dgm:style>
   </dgm:styleLbl>
@@ -2219,14 +2238,14 @@
       <a:lnRef idx="0">
         <a:scrgbClr r="0" g="0" b="0"/>
       </a:lnRef>
-      <a:fillRef idx="3">
+      <a:fillRef idx="2">
         <a:scrgbClr r="0" g="0" b="0"/>
       </a:fillRef>
-      <a:effectRef idx="2">
+      <a:effectRef idx="1">
         <a:scrgbClr r="0" g="0" b="0"/>
       </a:effectRef>
       <a:fontRef idx="minor">
-        <a:schemeClr val="lt1"/>
+        <a:schemeClr val="dk1"/>
       </a:fontRef>
     </dgm:style>
   </dgm:styleLbl>
@@ -2258,10 +2277,10 @@
     <dgm:sp3d/>
     <dgm:txPr/>
     <dgm:style>
-      <a:lnRef idx="2">
+      <a:lnRef idx="1">
         <a:scrgbClr r="0" g="0" b="0"/>
       </a:lnRef>
-      <a:fillRef idx="1">
+      <a:fillRef idx="2">
         <a:scrgbClr r="0" g="0" b="0"/>
       </a:fillRef>
       <a:effectRef idx="1">
@@ -2273,110 +2292,120 @@
   <dgm:styleLbl name="asst0">
     <dgm:scene3d>
       <a:camera prst="orthographicFront"/>
-      <a:lightRig rig="threePt" dir="t"/>
+      <a:lightRig rig="flat" dir="t"/>
     </dgm:scene3d>
-    <dgm:sp3d/>
+    <dgm:sp3d prstMaterial="dkEdge">
+      <a:bevelT w="8200" h="38100"/>
+    </dgm:sp3d>
     <dgm:txPr/>
     <dgm:style>
       <a:lnRef idx="0">
         <a:scrgbClr r="0" g="0" b="0"/>
       </a:lnRef>
-      <a:fillRef idx="3">
+      <a:fillRef idx="2">
         <a:scrgbClr r="0" g="0" b="0"/>
       </a:fillRef>
-      <a:effectRef idx="2">
+      <a:effectRef idx="1">
         <a:scrgbClr r="0" g="0" b="0"/>
       </a:effectRef>
       <a:fontRef idx="minor">
-        <a:schemeClr val="lt1"/>
+        <a:schemeClr val="dk1"/>
       </a:fontRef>
     </dgm:style>
   </dgm:styleLbl>
   <dgm:styleLbl name="asst1">
     <dgm:scene3d>
       <a:camera prst="orthographicFront"/>
-      <a:lightRig rig="threePt" dir="t"/>
+      <a:lightRig rig="flat" dir="t"/>
     </dgm:scene3d>
-    <dgm:sp3d/>
+    <dgm:sp3d prstMaterial="dkEdge">
+      <a:bevelT w="8200" h="38100"/>
+    </dgm:sp3d>
     <dgm:txPr/>
     <dgm:style>
       <a:lnRef idx="0">
         <a:scrgbClr r="0" g="0" b="0"/>
       </a:lnRef>
-      <a:fillRef idx="3">
+      <a:fillRef idx="2">
         <a:scrgbClr r="0" g="0" b="0"/>
       </a:fillRef>
-      <a:effectRef idx="2">
+      <a:effectRef idx="1">
         <a:scrgbClr r="0" g="0" b="0"/>
       </a:effectRef>
       <a:fontRef idx="minor">
-        <a:schemeClr val="lt1"/>
+        <a:schemeClr val="dk1"/>
       </a:fontRef>
     </dgm:style>
   </dgm:styleLbl>
   <dgm:styleLbl name="asst2">
     <dgm:scene3d>
       <a:camera prst="orthographicFront"/>
-      <a:lightRig rig="threePt" dir="t"/>
+      <a:lightRig rig="flat" dir="t"/>
     </dgm:scene3d>
-    <dgm:sp3d/>
+    <dgm:sp3d prstMaterial="dkEdge">
+      <a:bevelT w="8200" h="38100"/>
+    </dgm:sp3d>
     <dgm:txPr/>
     <dgm:style>
       <a:lnRef idx="0">
         <a:scrgbClr r="0" g="0" b="0"/>
       </a:lnRef>
-      <a:fillRef idx="3">
+      <a:fillRef idx="2">
         <a:scrgbClr r="0" g="0" b="0"/>
       </a:fillRef>
-      <a:effectRef idx="2">
+      <a:effectRef idx="1">
         <a:scrgbClr r="0" g="0" b="0"/>
       </a:effectRef>
       <a:fontRef idx="minor">
-        <a:schemeClr val="lt1"/>
+        <a:schemeClr val="dk1"/>
       </a:fontRef>
     </dgm:style>
   </dgm:styleLbl>
   <dgm:styleLbl name="asst3">
     <dgm:scene3d>
       <a:camera prst="orthographicFront"/>
-      <a:lightRig rig="threePt" dir="t"/>
+      <a:lightRig rig="flat" dir="t"/>
     </dgm:scene3d>
-    <dgm:sp3d/>
+    <dgm:sp3d prstMaterial="dkEdge">
+      <a:bevelT w="8200" h="38100"/>
+    </dgm:sp3d>
     <dgm:txPr/>
     <dgm:style>
       <a:lnRef idx="0">
         <a:scrgbClr r="0" g="0" b="0"/>
       </a:lnRef>
-      <a:fillRef idx="3">
+      <a:fillRef idx="2">
         <a:scrgbClr r="0" g="0" b="0"/>
       </a:fillRef>
-      <a:effectRef idx="2">
+      <a:effectRef idx="1">
         <a:scrgbClr r="0" g="0" b="0"/>
       </a:effectRef>
       <a:fontRef idx="minor">
-        <a:schemeClr val="lt1"/>
+        <a:schemeClr val="dk1"/>
       </a:fontRef>
     </dgm:style>
   </dgm:styleLbl>
   <dgm:styleLbl name="asst4">
     <dgm:scene3d>
       <a:camera prst="orthographicFront"/>
-      <a:lightRig rig="threePt" dir="t"/>
+      <a:lightRig rig="flat" dir="t"/>
     </dgm:scene3d>
-    <dgm:sp3d/>
+    <dgm:sp3d prstMaterial="dkEdge">
+      <a:bevelT w="8200" h="38100"/>
+    </dgm:sp3d>
     <dgm:txPr/>
     <dgm:style>
       <a:lnRef idx="0">
         <a:scrgbClr r="0" g="0" b="0"/>
       </a:lnRef>
-      <a:fillRef idx="3">
+      <a:fillRef idx="2">
         <a:scrgbClr r="0" g="0" b="0"/>
       </a:fillRef>
-      <a:effectRef idx="2">
+      <a:effectRef idx="1">
         <a:scrgbClr r="0" g="0" b="0"/>
       </a:effectRef>
       <a:fontRef idx="minor">
-        <a:schemeClr val="lt1"/>
+        <a:schemeClr val="dk1"/>
       </a:fontRef>
     </dgm:style>
   </dgm:styleLbl>
@@ -2388,17 +2417,17 @@
     <dgm:sp3d/>
     <dgm:txPr/>
     <dgm:style>
-      <a:lnRef idx="0">
+      <a:lnRef idx="1">
         <a:scrgbClr r="0" g="0" b="0"/>
       </a:lnRef>
-      <a:fillRef idx="3">
+      <a:fillRef idx="2">
         <a:scrgbClr r="0" g="0" b="0"/>
       </a:fillRef>
-      <a:effectRef idx="2">
+      <a:effectRef idx="1">
         <a:scrgbClr r="0" g="0" b="0"/>
       </a:effectRef>
       <a:fontRef idx="minor">
-        <a:schemeClr val="lt1"/>
+        <a:schemeClr val="dk1"/>
       </a:fontRef>
     </dgm:style>
   </dgm:styleLbl>
@@ -2410,17 +2439,17 @@
     <dgm:sp3d/>
     <dgm:txPr/>
     <dgm:style>
-      <a:lnRef idx="0">
+      <a:lnRef idx="1">
         <a:scrgbClr r="0" g="0" b="0"/>
       </a:lnRef>
-      <a:fillRef idx="3">
+      <a:fillRef idx="2">
         <a:scrgbClr r="0" g="0" b="0"/>
       </a:fillRef>
-      <a:effectRef idx="2">
+      <a:effectRef idx="1">
         <a:scrgbClr r="0" g="0" b="0"/>
       </a:effectRef>
       <a:fontRef idx="minor">
-        <a:schemeClr val="lt1"/>
+        <a:schemeClr val="dk1"/>
       </a:fontRef>
     </dgm:style>
   </dgm:styleLbl>
@@ -2435,14 +2464,14 @@
       <a:lnRef idx="1">
         <a:scrgbClr r="0" g="0" b="0"/>
       </a:lnRef>
-      <a:fillRef idx="3">
+      <a:fillRef idx="2">
         <a:scrgbClr r="0" g="0" b="0"/>
       </a:fillRef>
-      <a:effectRef idx="2">
+      <a:effectRef idx="1">
         <a:scrgbClr r="0" g="0" b="0"/>
       </a:effectRef>
       <a:fontRef idx="minor">
-        <a:schemeClr val="lt1"/>
+        <a:schemeClr val="dk1"/>
       </a:fontRef>
     </dgm:style>
   </dgm:styleLbl>
@@ -2457,14 +2486,14 @@
       <a:lnRef idx="1">
         <a:scrgbClr r="0" g="0" b="0"/>
       </a:lnRef>
-      <a:fillRef idx="3">
+      <a:fillRef idx="2">
         <a:scrgbClr r="0" g="0" b="0"/>
       </a:fillRef>
-      <a:effectRef idx="2">
+      <a:effectRef idx="1">
         <a:scrgbClr r="0" g="0" b="0"/>
       </a:effectRef>
       <a:fontRef idx="minor">
-        <a:schemeClr val="lt1"/>
+        <a:schemeClr val="dk1"/>
       </a:fontRef>
     </dgm:style>
   </dgm:styleLbl>
@@ -2476,7 +2505,7 @@
     <dgm:sp3d/>
     <dgm:txPr/>
     <dgm:style>
-      <a:lnRef idx="1">
+      <a:lnRef idx="2">
         <a:scrgbClr r="0" g="0" b="0"/>
       </a:lnRef>
       <a:fillRef idx="0">
@@ -2496,7 +2525,7 @@
     <dgm:sp3d/>
     <dgm:txPr/>
     <dgm:style>
-      <a:lnRef idx="1">
+      <a:lnRef idx="2">
         <a:scrgbClr r="0" g="0" b="0"/>
       </a:lnRef>
       <a:fillRef idx="0">
@@ -2516,7 +2545,7 @@
     <dgm:sp3d/>
     <dgm:txPr/>
     <dgm:style>
-      <a:lnRef idx="1">
+      <a:lnRef idx="2">
         <a:scrgbClr r="0" g="0" b="0"/>
       </a:lnRef>
       <a:fillRef idx="0">
@@ -2536,7 +2565,7 @@
     <dgm:sp3d/>
     <dgm:txPr/>
     <dgm:style>
-      <a:lnRef idx="1">
+      <a:lnRef idx="2">
         <a:scrgbClr r="0" g="0" b="0"/>
       </a:lnRef>
       <a:fillRef idx="0">
@@ -2659,7 +2688,7 @@
       <a:lnRef idx="1">
         <a:scrgbClr r="0" g="0" b="0"/>
       </a:lnRef>
-      <a:fillRef idx="1">
+      <a:fillRef idx="2">
         <a:scrgbClr r="0" g="0" b="0"/>
       </a:fillRef>
       <a:effectRef idx="0">
@@ -2862,7 +2891,7 @@
       <a:fillRef idx="1">
         <a:scrgbClr r="0" g="0" b="0"/>
       </a:fillRef>
-      <a:effectRef idx="2">
+      <a:effectRef idx="1">
         <a:scrgbClr r="0" g="0" b="0"/>
       </a:effectRef>
       <a:fontRef idx="minor"/>
@@ -2882,7 +2911,7 @@
       <a:fillRef idx="1">
         <a:scrgbClr r="0" g="0" b="0"/>
       </a:fillRef>
-      <a:effectRef idx="2">
+      <a:effectRef idx="1">
         <a:scrgbClr r="0" g="0" b="0"/>
       </a:effectRef>
       <a:fontRef idx="minor"/>
@@ -2911,18 +2940,20 @@
   <dgm:styleLbl name="fgShp">
     <dgm:scene3d>
       <a:camera prst="orthographicFront"/>
-      <a:lightRig rig="threePt" dir="t"/>
+      <a:lightRig rig="flat" dir="t"/>
     </dgm:scene3d>
-    <dgm:sp3d/>
+    <dgm:sp3d prstMaterial="dkEdge">
+      <a:bevelT w="8200" h="38100"/>
+    </dgm:sp3d>
     <dgm:txPr/>
     <dgm:style>
-      <a:lnRef idx="0">
+      <a:lnRef idx="1">
         <a:scrgbClr r="0" g="0" b="0"/>
       </a:lnRef>
-      <a:fillRef idx="3">
+      <a:fillRef idx="2">
         <a:scrgbClr r="0" g="0" b="0"/>
       </a:fillRef>
-      <a:effectRef idx="2">
+      <a:effectRef idx="1">
         <a:scrgbClr r="0" g="0" b="0"/>
       </a:effectRef>
       <a:fontRef idx="minor"/>
@@ -4426,6 +4457,11 @@
         </p:txBody>
       </p:sp>
     </p:spTree>
+    <p:extLst>
+      <p:ext uri="{BB962C8B-B14F-4D97-AF65-F5344CB8AC3E}">
+        <p14:creationId xmlns:p14="http://schemas.microsoft.com/office/powerpoint/2010/main" val="694132851"/>
+      </p:ext>
+    </p:extLst>
   </p:cSld>
   <p:clrMapOvr>
     <a:masterClrMapping/>
@@ -13788,7 +13824,7 @@
                 <a:sym typeface="Arial"/>
                 <a:rtl val="0"/>
               </a:rPr>
-              <a:t> Varshneya*, </a:t>
+              <a:t> Varshneya*, Nicole </a:t>
             </a:r>
             <a:r>
               <a:rPr lang="en-US" sz="4000" b="0" i="0" u="none" strike="noStrike" cap="none" baseline="0" dirty="0" err="1" smtClean="0">
@@ -13801,7 +13837,20 @@
                 <a:sym typeface="Arial"/>
                 <a:rtl val="0"/>
               </a:rPr>
-              <a:t>Mihir</a:t>
+              <a:t>Anguiano</a:t>
+            </a:r>
+            <a:r>
+              <a:rPr lang="en-US" sz="4000" b="0" i="0" u="none" strike="noStrike" cap="none" baseline="0" smtClean="0">
+                <a:solidFill>
+                  <a:schemeClr val="dk1"/>
+                </a:solidFill>
+                <a:latin typeface="Arial"/>
+                <a:ea typeface="Arial"/>
+                <a:cs typeface="Arial"/>
+                <a:sym typeface="Arial"/>
+                <a:rtl val="0"/>
+              </a:rPr>
+              <a:t>**, Mihir</a:t>
             </a:r>
             <a:r>
               <a:rPr lang="en-US" sz="4000" b="0" i="0" u="none" strike="noStrike" cap="none" baseline="0" dirty="0" smtClean="0">
@@ -15334,8 +15383,70 @@
                 <a:sym typeface="Arial"/>
                 <a:rtl val="0"/>
               </a:rPr>
-              <a:t> is a differential equations model of the changes in gene expression over time for a gene regulatory network.</a:t>
-            </a:r>
+              <a:t> is a differential equations model of the changes in gene expression over time for a gene </a:t>
+            </a:r>
+            <a:r>
+              <a:rPr lang="en-US" sz="2200" b="0" i="0" u="none" strike="noStrike" cap="none" baseline="0">
+                <a:solidFill>
+                  <a:srgbClr val="000000"/>
+                </a:solidFill>
+                <a:latin typeface="Arial"/>
+                <a:ea typeface="Arial"/>
+                <a:cs typeface="Arial"/>
+                <a:sym typeface="Arial"/>
+                <a:rtl val="0"/>
+              </a:rPr>
+              <a:t>regulatory </a:t>
+            </a:r>
+            <a:r>
+              <a:rPr lang="en-US" sz="2200" b="0" i="0" u="none" strike="noStrike" cap="none" baseline="0" smtClean="0">
+                <a:solidFill>
+                  <a:srgbClr val="000000"/>
+                </a:solidFill>
+                <a:latin typeface="Arial"/>
+                <a:ea typeface="Arial"/>
+                <a:cs typeface="Arial"/>
+                <a:sym typeface="Arial"/>
+                <a:rtl val="0"/>
+              </a:rPr>
+              <a:t>network (Dahlquist et</a:t>
+            </a:r>
+            <a:r>
+              <a:rPr lang="en-US" sz="2200" b="0" i="0" u="none" strike="noStrike" cap="none" smtClean="0">
+                <a:solidFill>
+                  <a:srgbClr val="000000"/>
+                </a:solidFill>
+                <a:latin typeface="Arial"/>
+                <a:ea typeface="Arial"/>
+                <a:cs typeface="Arial"/>
+                <a:sym typeface="Arial"/>
+                <a:rtl val="0"/>
+              </a:rPr>
+              <a:t> al. 2015)</a:t>
+            </a:r>
+            <a:r>
+              <a:rPr lang="en-US" sz="2200" b="0" i="0" u="none" strike="noStrike" cap="none" baseline="0" smtClean="0">
+                <a:solidFill>
+                  <a:srgbClr val="000000"/>
+                </a:solidFill>
+                <a:latin typeface="Arial"/>
+                <a:ea typeface="Arial"/>
+                <a:cs typeface="Arial"/>
+                <a:sym typeface="Arial"/>
+                <a:rtl val="0"/>
+              </a:rPr>
+              <a:t>.</a:t>
+            </a:r>
+            <a:endParaRPr lang="en-US" sz="2200" b="0" i="0" u="none" strike="noStrike" cap="none" baseline="0" dirty="0">
+              <a:solidFill>
+                <a:srgbClr val="000000"/>
+              </a:solidFill>
+              <a:latin typeface="Arial"/>
+              <a:ea typeface="Arial"/>
+              <a:cs typeface="Arial"/>
+              <a:sym typeface="Arial"/>
+              <a:rtl val="0"/>
+            </a:endParaRPr>
           </a:p>
           <a:p>
             <a:pPr marL="236538" marR="0" lvl="0" indent="-236538" algn="l" rtl="0">
@@ -16554,15 +16665,7 @@
                   <a:schemeClr val="dk1"/>
                 </a:solidFill>
               </a:rPr>
-              <a:t>Calculate </a:t>
-            </a:r>
-            <a:r>
-              <a:rPr lang="en-US" sz="2200" dirty="0" smtClean="0">
-                <a:solidFill>
-                  <a:schemeClr val="dk1"/>
-                </a:solidFill>
-              </a:rPr>
-              <a:t>and present other graph statistics.</a:t>
+              <a:t>Calculate and present other graph statistics.</a:t>
             </a:r>
             <a:endParaRPr lang="en-US" sz="2200" dirty="0">
               <a:solidFill>
@@ -16682,10 +16785,10 @@
                 <a:sym typeface="Arial"/>
                 <a:rtl val="0"/>
               </a:rPr>
-              <a:t>This work is partially supported by NSF award 0921038 (</a:t>
-            </a:r>
-            <a:r>
-              <a:rPr lang="en-US" sz="2200" b="0" i="0" u="none" strike="noStrike" cap="none" baseline="0" dirty="0" err="1">
+              <a:t>This work is partially supported by NSF award 0921038 </a:t>
+            </a:r>
+            <a:r>
+              <a:rPr lang="en-US" sz="2200" b="0" i="0" u="none" strike="noStrike" cap="none" baseline="0">
                 <a:solidFill>
                   <a:srgbClr val="000000"/>
                 </a:solidFill>
@@ -16695,10 +16798,10 @@
                 <a:sym typeface="Arial"/>
                 <a:rtl val="0"/>
               </a:rPr>
-              <a:t>Kam</a:t>
-            </a:r>
-            <a:r>
-              <a:rPr lang="en-US" sz="2200" b="0" i="0" u="none" strike="noStrike" cap="none" baseline="0" dirty="0">
+              <a:t>(</a:t>
+            </a:r>
+            <a:r>
+              <a:rPr lang="en-US" sz="2200" b="0" i="0" u="none" strike="noStrike" cap="none" baseline="0" smtClean="0">
                 <a:solidFill>
                   <a:srgbClr val="000000"/>
                 </a:solidFill>
@@ -16708,10 +16811,10 @@
                 <a:sym typeface="Arial"/>
                 <a:rtl val="0"/>
               </a:rPr>
-              <a:t> D. </a:t>
-            </a:r>
-            <a:r>
-              <a:rPr lang="en-US" sz="2200" b="0" i="0" u="none" strike="noStrike" cap="none" baseline="0" dirty="0" err="1">
+              <a:t>K.D.D., B.G.F.),</a:t>
+            </a:r>
+            <a:r>
+              <a:rPr lang="en-US" sz="2200" b="0" i="0" u="none" strike="noStrike" cap="none" smtClean="0">
                 <a:solidFill>
                   <a:srgbClr val="000000"/>
                 </a:solidFill>
@@ -16721,10 +16824,10 @@
                 <a:sym typeface="Arial"/>
                 <a:rtl val="0"/>
               </a:rPr>
-              <a:t>Dahlquist</a:t>
-            </a:r>
-            <a:r>
-              <a:rPr lang="en-US" sz="2200" b="0" i="0" u="none" strike="noStrike" cap="none" baseline="0" dirty="0">
+              <a:t> a Kadner-Pitts Research Grant (K.D.D.), </a:t>
+            </a:r>
+            <a:r>
+              <a:rPr lang="en-US" sz="2200" b="0" i="0" u="none" strike="noStrike" cap="none" baseline="0" smtClean="0">
                 <a:solidFill>
                   <a:srgbClr val="000000"/>
                 </a:solidFill>
@@ -16734,10 +16837,10 @@
                 <a:sym typeface="Arial"/>
                 <a:rtl val="0"/>
               </a:rPr>
-              <a:t>, Ben G. Fitzpatrick</a:t>
-            </a:r>
-            <a:r>
-              <a:rPr lang="en-US" sz="2200" b="0" i="0" u="none" strike="noStrike" cap="none" baseline="0" dirty="0" smtClean="0">
+              <a:t>the </a:t>
+            </a:r>
+            <a:r>
+              <a:rPr lang="en-US" sz="2200" b="0" i="0" u="none" strike="noStrike" cap="none" baseline="0" dirty="0">
                 <a:solidFill>
                   <a:srgbClr val="000000"/>
                 </a:solidFill>
@@ -16747,10 +16850,10 @@
                 <a:sym typeface="Arial"/>
                 <a:rtl val="0"/>
               </a:rPr>
-              <a:t>),</a:t>
-            </a:r>
-            <a:r>
-              <a:rPr lang="en-US" sz="2200" b="0" i="0" u="none" strike="noStrike" cap="none" dirty="0" smtClean="0">
+              <a:t>Loyola Marymount University Rains Research Assistant Program </a:t>
+            </a:r>
+            <a:r>
+              <a:rPr lang="en-US" sz="2200" b="0" i="0" u="none" strike="noStrike" cap="none" baseline="0">
                 <a:solidFill>
                   <a:srgbClr val="000000"/>
                 </a:solidFill>
@@ -16760,10 +16863,10 @@
                 <a:sym typeface="Arial"/>
                 <a:rtl val="0"/>
               </a:rPr>
-              <a:t> </a:t>
-            </a:r>
-            <a:r>
-              <a:rPr lang="en-US" sz="2200" b="0" i="0" u="none" strike="noStrike" cap="none" baseline="0" dirty="0" smtClean="0">
+              <a:t>(</a:t>
+            </a:r>
+            <a:r>
+              <a:rPr lang="en-US" sz="2200" b="0" i="0" u="none" strike="noStrike" cap="none" baseline="0" smtClean="0">
                 <a:solidFill>
                   <a:srgbClr val="000000"/>
                 </a:solidFill>
@@ -16773,10 +16876,10 @@
                 <a:sym typeface="Arial"/>
                 <a:rtl val="0"/>
               </a:rPr>
-              <a:t>the </a:t>
-            </a:r>
-            <a:r>
-              <a:rPr lang="en-US" sz="2200" b="0" i="0" u="none" strike="noStrike" cap="none" baseline="0" dirty="0">
+              <a:t>N.A.A.),</a:t>
+            </a:r>
+            <a:r>
+              <a:rPr lang="en-US" sz="2200" b="0" i="0" u="none" strike="noStrike" cap="none" smtClean="0">
                 <a:solidFill>
                   <a:srgbClr val="000000"/>
                 </a:solidFill>
@@ -16786,10 +16889,10 @@
                 <a:sym typeface="Arial"/>
                 <a:rtl val="0"/>
               </a:rPr>
-              <a:t>Loyola Marymount University Rains Research Assistant Program (Nicole </a:t>
-            </a:r>
-            <a:r>
-              <a:rPr lang="en-US" sz="2200" b="0" i="0" u="none" strike="noStrike" cap="none" baseline="0" dirty="0" err="1">
+              <a:t> </a:t>
+            </a:r>
+            <a:r>
+              <a:rPr lang="en-US" sz="2200" b="0" i="0" u="none" strike="noStrike" cap="none" dirty="0" smtClean="0">
                 <a:solidFill>
                   <a:srgbClr val="000000"/>
                 </a:solidFill>
@@ -16799,10 +16902,10 @@
                 <a:sym typeface="Arial"/>
                 <a:rtl val="0"/>
               </a:rPr>
-              <a:t>Anguiano</a:t>
-            </a:r>
-            <a:r>
-              <a:rPr lang="en-US" sz="2200" b="0" i="0" u="none" strike="noStrike" cap="none" baseline="0" dirty="0" smtClean="0">
+              <a:t>and the Loyola Marymount University Summer Undergraduate Research Program </a:t>
+            </a:r>
+            <a:r>
+              <a:rPr lang="en-US" sz="2200" b="0" i="0" u="none" strike="noStrike" cap="none" smtClean="0">
                 <a:solidFill>
                   <a:srgbClr val="000000"/>
                 </a:solidFill>
@@ -16812,10 +16915,10 @@
                 <a:sym typeface="Arial"/>
                 <a:rtl val="0"/>
               </a:rPr>
-              <a:t>),</a:t>
-            </a:r>
-            <a:r>
-              <a:rPr lang="en-US" sz="2200" b="0" i="0" u="none" strike="noStrike" cap="none" dirty="0" smtClean="0">
+              <a:t>(</a:t>
+            </a:r>
+            <a:r>
+              <a:rPr lang="en-US" sz="2200" b="0" i="0" u="none" strike="noStrike" cap="none" smtClean="0">
                 <a:solidFill>
                   <a:srgbClr val="000000"/>
                 </a:solidFill>
@@ -16825,36 +16928,10 @@
                 <a:sym typeface="Arial"/>
                 <a:rtl val="0"/>
               </a:rPr>
-              <a:t> and the Loyola Marymount University Summer Undergraduate Research Program (</a:t>
-            </a:r>
-            <a:r>
-              <a:rPr lang="en-US" sz="2200" b="0" i="0" u="none" strike="noStrike" cap="none" dirty="0" err="1" smtClean="0">
-                <a:solidFill>
-                  <a:srgbClr val="000000"/>
-                </a:solidFill>
-                <a:latin typeface="Arial"/>
-                <a:ea typeface="Arial"/>
-                <a:cs typeface="Arial"/>
-                <a:sym typeface="Arial"/>
-                <a:rtl val="0"/>
-              </a:rPr>
-              <a:t>Anindita</a:t>
-            </a:r>
-            <a:r>
-              <a:rPr lang="en-US" sz="2200" b="0" i="0" u="none" strike="noStrike" cap="none" dirty="0" smtClean="0">
-                <a:solidFill>
-                  <a:srgbClr val="000000"/>
-                </a:solidFill>
-                <a:latin typeface="Arial"/>
-                <a:ea typeface="Arial"/>
-                <a:cs typeface="Arial"/>
-                <a:sym typeface="Arial"/>
-                <a:rtl val="0"/>
-              </a:rPr>
-              <a:t> Varshneya).</a:t>
-            </a:r>
-            <a:r>
-              <a:rPr lang="en-US" sz="2200" b="0" i="0" u="none" strike="noStrike" cap="none" baseline="0" dirty="0" smtClean="0">
+              <a:t>A.V.).</a:t>
+            </a:r>
+            <a:r>
+              <a:rPr lang="en-US" sz="2200" b="0" i="0" u="none" strike="noStrike" cap="none" baseline="0" smtClean="0">
                 <a:solidFill>
                   <a:srgbClr val="000000"/>
                 </a:solidFill>
@@ -16888,7 +16965,7 @@
         <p:spPr>
           <a:xfrm>
             <a:off x="33114750" y="29338000"/>
-            <a:ext cx="9921300" cy="2743499"/>
+            <a:ext cx="9921300" cy="2884609"/>
           </a:xfrm>
           <a:prstGeom prst="rect">
             <a:avLst/>
@@ -16915,18 +16992,18 @@
               <a:buChar char="•"/>
             </a:pPr>
             <a:r>
-              <a:rPr lang="en-US" sz="1750" dirty="0"/>
+              <a:rPr lang="en-US" dirty="0"/>
               <a:t>Chai: http://</a:t>
             </a:r>
             <a:r>
-              <a:rPr lang="en-US" sz="1750" dirty="0" err="1"/>
+              <a:rPr lang="en-US" dirty="0" err="1"/>
               <a:t>chaijs.com</a:t>
             </a:r>
             <a:r>
-              <a:rPr lang="en-US" sz="1750" dirty="0" smtClean="0"/>
+              <a:rPr lang="en-US" dirty="0" smtClean="0"/>
               <a:t>/</a:t>
             </a:r>
-            <a:endParaRPr lang="en-US" sz="1750" b="0" i="0" u="none" strike="noStrike" cap="none" baseline="0" dirty="0" smtClean="0">
+            <a:endParaRPr lang="en-US" b="0" i="0" u="none" strike="noStrike" cap="none" baseline="0" dirty="0" smtClean="0">
               <a:solidFill>
                 <a:srgbClr val="000000"/>
               </a:solidFill>
@@ -16935,16 +17012,7 @@
             </a:endParaRPr>
           </a:p>
           <a:p>
-            <a:pPr marL="236538" marR="0" lvl="0" indent="-236538" algn="l" rtl="0">
-              <a:lnSpc>
-                <a:spcPct val="100000"/>
-              </a:lnSpc>
-              <a:spcBef>
-                <a:spcPts val="0"/>
-              </a:spcBef>
-              <a:spcAft>
-                <a:spcPts val="0"/>
-              </a:spcAft>
+            <a:pPr marL="236538" lvl="0" indent="-236538">
               <a:buClr>
                 <a:srgbClr val="003700"/>
               </a:buClr>
@@ -16953,198 +17021,46 @@
               <a:buChar char="•"/>
             </a:pPr>
             <a:r>
-              <a:rPr lang="en-US" sz="1750" b="0" i="0" u="none" strike="noStrike" cap="none" baseline="0" dirty="0" smtClean="0">
-                <a:solidFill>
-                  <a:srgbClr val="000000"/>
-                </a:solidFill>
-                <a:sym typeface="Arial"/>
-                <a:rtl val="0"/>
-              </a:rPr>
-              <a:t>D3</a:t>
-            </a:r>
-            <a:r>
-              <a:rPr lang="en-US" sz="1750" b="0" i="0" u="none" strike="noStrike" cap="none" baseline="0" dirty="0">
-                <a:solidFill>
-                  <a:srgbClr val="000000"/>
-                </a:solidFill>
-                <a:sym typeface="Arial"/>
-                <a:rtl val="0"/>
-              </a:rPr>
-              <a:t>.js: http://d3js.org/</a:t>
-            </a:r>
-          </a:p>
-          <a:p>
-            <a:pPr marL="236538" marR="0" lvl="0" indent="-236538" algn="l" rtl="0">
-              <a:lnSpc>
-                <a:spcPct val="100000"/>
-              </a:lnSpc>
-              <a:spcBef>
-                <a:spcPts val="0"/>
-              </a:spcBef>
-              <a:spcAft>
-                <a:spcPts val="0"/>
-              </a:spcAft>
-              <a:buClr>
-                <a:srgbClr val="003700"/>
-              </a:buClr>
-              <a:buSzPct val="100000"/>
-              <a:buFont typeface="Arial"/>
-              <a:buChar char="•"/>
-            </a:pPr>
-            <a:r>
-              <a:rPr lang="en-US" sz="1750" b="0" i="0" u="none" strike="noStrike" cap="none" baseline="0" dirty="0">
-                <a:solidFill>
-                  <a:srgbClr val="000000"/>
-                </a:solidFill>
-                <a:sym typeface="Arial"/>
-                <a:rtl val="0"/>
-              </a:rPr>
-              <a:t>Express Framework: http://</a:t>
-            </a:r>
-            <a:r>
-              <a:rPr lang="en-US" sz="1750" b="0" i="0" u="none" strike="noStrike" cap="none" baseline="0" dirty="0" err="1">
-                <a:solidFill>
-                  <a:srgbClr val="000000"/>
-                </a:solidFill>
-                <a:sym typeface="Arial"/>
-                <a:rtl val="0"/>
-              </a:rPr>
-              <a:t>expressjs.com</a:t>
-            </a:r>
-            <a:r>
-              <a:rPr lang="en-US" sz="1750" b="0" i="0" u="none" strike="noStrike" cap="none" baseline="0" dirty="0">
-                <a:solidFill>
-                  <a:srgbClr val="000000"/>
-                </a:solidFill>
-                <a:sym typeface="Arial"/>
-                <a:rtl val="0"/>
-              </a:rPr>
-              <a:t>/</a:t>
-            </a:r>
-          </a:p>
-          <a:p>
-            <a:pPr marL="236538" marR="0" lvl="0" indent="-236538" algn="l" rtl="0">
-              <a:lnSpc>
-                <a:spcPct val="100000"/>
-              </a:lnSpc>
-              <a:spcBef>
-                <a:spcPts val="0"/>
-              </a:spcBef>
-              <a:spcAft>
-                <a:spcPts val="0"/>
-              </a:spcAft>
-              <a:buClr>
-                <a:srgbClr val="003700"/>
-              </a:buClr>
-              <a:buSzPct val="100000"/>
-              <a:buFont typeface="Arial"/>
-              <a:buChar char="•"/>
-            </a:pPr>
-            <a:r>
-              <a:rPr lang="en-US" sz="1750" b="0" i="0" u="none" strike="noStrike" cap="none" baseline="0" dirty="0">
-                <a:solidFill>
-                  <a:srgbClr val="000000"/>
-                </a:solidFill>
-                <a:sym typeface="Arial"/>
-                <a:rtl val="0"/>
-              </a:rPr>
-              <a:t>Freeman, S. (2002) Biological Science. Upper Saddle River, New Jersey: Prentice Hall.</a:t>
-            </a:r>
-          </a:p>
-          <a:p>
-            <a:pPr marL="236538" marR="0" lvl="0" indent="-236538" algn="l" rtl="0">
-              <a:lnSpc>
-                <a:spcPct val="100000"/>
-              </a:lnSpc>
-              <a:spcBef>
-                <a:spcPts val="0"/>
-              </a:spcBef>
-              <a:spcAft>
-                <a:spcPts val="0"/>
-              </a:spcAft>
-              <a:buClr>
-                <a:srgbClr val="003700"/>
-              </a:buClr>
-              <a:buSzPct val="100000"/>
-              <a:buFont typeface="Arial"/>
-              <a:buChar char="•"/>
-            </a:pPr>
-            <a:r>
-              <a:rPr lang="en-US" sz="1750" b="0" i="0" u="none" strike="noStrike" cap="none" baseline="0" dirty="0" err="1">
-                <a:solidFill>
-                  <a:srgbClr val="000000"/>
-                </a:solidFill>
-                <a:sym typeface="Arial"/>
-                <a:rtl val="0"/>
-              </a:rPr>
-              <a:t>GRNmap</a:t>
-            </a:r>
-            <a:r>
-              <a:rPr lang="en-US" sz="1750" b="0" i="0" u="none" strike="noStrike" cap="none" baseline="0" dirty="0">
-                <a:solidFill>
-                  <a:srgbClr val="000000"/>
-                </a:solidFill>
-                <a:sym typeface="Arial"/>
-                <a:rtl val="0"/>
-              </a:rPr>
+              <a:rPr lang="en-US"/>
+              <a:t>Dahlquist, K.D., Fitzpatrick, B.G., Camacho, E.T., Entzminger, S.D., and Wanner, N.C. (2015) Parameter Estimation for Gene Regulatory Networks from Microarray Data: Cold Shock Response in Saccharomyces cerevisiae. </a:t>
+            </a:r>
+            <a:r>
+              <a:rPr lang="en-US" i="1"/>
+              <a:t>Bulletin of Mathematical Biology</a:t>
+            </a:r>
+            <a:r>
+              <a:rPr lang="en-US"/>
+              <a:t>, </a:t>
+            </a:r>
+            <a:r>
+              <a:rPr lang="en-US" i="1"/>
+              <a:t>77</a:t>
+            </a:r>
+            <a:r>
+              <a:rPr lang="en-US"/>
+              <a:t>(8), </a:t>
+            </a:r>
+            <a:r>
+              <a:rPr lang="en-US"/>
+              <a:t>1457-1492</a:t>
+            </a:r>
+            <a:r>
+              <a:rPr lang="en-US" smtClean="0"/>
+              <a:t>, </a:t>
+            </a:r>
+            <a:r>
+              <a:rPr lang="en-US"/>
+              <a:t>DOI</a:t>
+            </a:r>
+            <a:r>
+              <a:rPr lang="en-US"/>
               <a:t>: </a:t>
             </a:r>
             <a:r>
-              <a:rPr lang="en-US" sz="1750" b="0" i="0" u="none" strike="noStrike" cap="none" baseline="0" dirty="0">
-                <a:solidFill>
-                  <a:srgbClr val="000000"/>
-                </a:solidFill>
-                <a:sym typeface="Arial"/>
-                <a:hlinkClick r:id="rId9"/>
-                <a:rtl val="0"/>
-              </a:rPr>
-              <a:t>http://</a:t>
-            </a:r>
-            <a:r>
-              <a:rPr lang="en-US" sz="1750" b="0" i="0" u="none" strike="noStrike" cap="none" baseline="0" dirty="0" err="1">
-                <a:solidFill>
-                  <a:srgbClr val="000000"/>
-                </a:solidFill>
-                <a:sym typeface="Arial"/>
-                <a:hlinkClick r:id="rId9"/>
-                <a:rtl val="0"/>
-              </a:rPr>
-              <a:t>kdahlquist.github.io</a:t>
-            </a:r>
-            <a:r>
-              <a:rPr lang="en-US" sz="1750" b="0" i="0" u="none" strike="noStrike" cap="none" baseline="0" dirty="0">
-                <a:solidFill>
-                  <a:srgbClr val="000000"/>
-                </a:solidFill>
-                <a:sym typeface="Arial"/>
-                <a:hlinkClick r:id="rId9"/>
-                <a:rtl val="0"/>
-              </a:rPr>
-              <a:t>/</a:t>
-            </a:r>
-            <a:r>
-              <a:rPr lang="en-US" sz="1750" b="0" i="0" u="none" strike="noStrike" cap="none" baseline="0" dirty="0" err="1">
-                <a:solidFill>
-                  <a:srgbClr val="000000"/>
-                </a:solidFill>
-                <a:sym typeface="Arial"/>
-                <a:hlinkClick r:id="rId9"/>
-                <a:rtl val="0"/>
-              </a:rPr>
-              <a:t>GRNmap</a:t>
-            </a:r>
-            <a:r>
-              <a:rPr lang="en-US" sz="1750" b="0" i="0" u="none" strike="noStrike" cap="none" baseline="0" dirty="0">
-                <a:solidFill>
-                  <a:srgbClr val="000000"/>
-                </a:solidFill>
-                <a:sym typeface="Arial"/>
-                <a:hlinkClick r:id="rId9"/>
-                <a:rtl val="0"/>
-              </a:rPr>
-              <a:t>/</a:t>
-            </a:r>
-            <a:endParaRPr lang="en-US" sz="1750" b="0" i="0" u="none" strike="noStrike" cap="none" baseline="0" dirty="0">
+              <a:rPr lang="en-US" smtClean="0"/>
+              <a:t>10.1007/s11538-015-0092-6</a:t>
+            </a:r>
+            <a:endParaRPr lang="en-US" b="0" i="0" u="none" strike="noStrike" cap="none" baseline="0" smtClean="0">
               <a:solidFill>
                 <a:srgbClr val="000000"/>
               </a:solidFill>
@@ -17171,116 +17087,198 @@
               <a:buChar char="•"/>
             </a:pPr>
             <a:r>
-              <a:rPr lang="en-US" sz="1750" dirty="0" err="1"/>
-              <a:t>N</a:t>
-            </a:r>
-            <a:r>
-              <a:rPr lang="en-US" sz="1750" b="0" i="0" u="none" strike="noStrike" cap="none" baseline="0" dirty="0" err="1" smtClean="0">
+              <a:rPr lang="en-US" b="0" i="0" u="none" strike="noStrike" cap="none" baseline="0" smtClean="0">
                 <a:solidFill>
                   <a:srgbClr val="000000"/>
                 </a:solidFill>
                 <a:sym typeface="Arial"/>
                 <a:rtl val="0"/>
               </a:rPr>
-              <a:t>ode.js</a:t>
-            </a:r>
-            <a:r>
-              <a:rPr lang="en-US" sz="1750" b="0" i="0" u="none" strike="noStrike" cap="none" baseline="0" dirty="0">
+              <a:t>D3.js</a:t>
+            </a:r>
+            <a:r>
+              <a:rPr lang="en-US" b="0" i="0" u="none" strike="noStrike" cap="none" baseline="0" dirty="0">
                 <a:solidFill>
                   <a:srgbClr val="000000"/>
                 </a:solidFill>
                 <a:sym typeface="Arial"/>
                 <a:rtl val="0"/>
               </a:rPr>
+              <a:t>: http://d3js.org/</a:t>
+            </a:r>
+          </a:p>
+          <a:p>
+            <a:pPr marL="236538" marR="0" lvl="0" indent="-236538" algn="l" rtl="0">
+              <a:lnSpc>
+                <a:spcPct val="100000"/>
+              </a:lnSpc>
+              <a:spcBef>
+                <a:spcPts val="0"/>
+              </a:spcBef>
+              <a:spcAft>
+                <a:spcPts val="0"/>
+              </a:spcAft>
+              <a:buClr>
+                <a:srgbClr val="003700"/>
+              </a:buClr>
+              <a:buSzPct val="100000"/>
+              <a:buFont typeface="Arial"/>
+              <a:buChar char="•"/>
+            </a:pPr>
+            <a:r>
+              <a:rPr lang="en-US" b="0" i="0" u="none" strike="noStrike" cap="none" baseline="0" dirty="0">
+                <a:solidFill>
+                  <a:srgbClr val="000000"/>
+                </a:solidFill>
+                <a:sym typeface="Arial"/>
+                <a:rtl val="0"/>
+              </a:rPr>
+              <a:t>Express Framework: http://</a:t>
+            </a:r>
+            <a:r>
+              <a:rPr lang="en-US" b="0" i="0" u="none" strike="noStrike" cap="none" baseline="0" dirty="0" err="1">
+                <a:solidFill>
+                  <a:srgbClr val="000000"/>
+                </a:solidFill>
+                <a:sym typeface="Arial"/>
+                <a:rtl val="0"/>
+              </a:rPr>
+              <a:t>expressjs.com</a:t>
+            </a:r>
+            <a:r>
+              <a:rPr lang="en-US" b="0" i="0" u="none" strike="noStrike" cap="none" baseline="0" dirty="0">
+                <a:solidFill>
+                  <a:srgbClr val="000000"/>
+                </a:solidFill>
+                <a:sym typeface="Arial"/>
+                <a:rtl val="0"/>
+              </a:rPr>
+              <a:t>/</a:t>
+            </a:r>
+          </a:p>
+          <a:p>
+            <a:pPr marL="236538" marR="0" lvl="0" indent="-236538" algn="l" rtl="0">
+              <a:lnSpc>
+                <a:spcPct val="100000"/>
+              </a:lnSpc>
+              <a:spcBef>
+                <a:spcPts val="0"/>
+              </a:spcBef>
+              <a:spcAft>
+                <a:spcPts val="0"/>
+              </a:spcAft>
+              <a:buClr>
+                <a:srgbClr val="003700"/>
+              </a:buClr>
+              <a:buSzPct val="100000"/>
+              <a:buFont typeface="Arial"/>
+              <a:buChar char="•"/>
+            </a:pPr>
+            <a:r>
+              <a:rPr lang="en-US" b="0" i="0" u="none" strike="noStrike" cap="none" baseline="0" dirty="0">
+                <a:solidFill>
+                  <a:srgbClr val="000000"/>
+                </a:solidFill>
+                <a:sym typeface="Arial"/>
+                <a:rtl val="0"/>
+              </a:rPr>
+              <a:t>Freeman, S. (2002) Biological Science. Upper Saddle River, New Jersey: Prentice Hall.</a:t>
+            </a:r>
+          </a:p>
+          <a:p>
+            <a:pPr marL="236538" marR="0" lvl="0" indent="-236538" algn="l" rtl="0">
+              <a:lnSpc>
+                <a:spcPct val="100000"/>
+              </a:lnSpc>
+              <a:spcBef>
+                <a:spcPts val="0"/>
+              </a:spcBef>
+              <a:spcAft>
+                <a:spcPts val="0"/>
+              </a:spcAft>
+              <a:buClr>
+                <a:srgbClr val="003700"/>
+              </a:buClr>
+              <a:buSzPct val="100000"/>
+              <a:buFont typeface="Arial"/>
+              <a:buChar char="•"/>
+            </a:pPr>
+            <a:r>
+              <a:rPr lang="en-US" b="0" i="0" u="none" strike="noStrike" cap="none" baseline="0" dirty="0" err="1">
+                <a:solidFill>
+                  <a:srgbClr val="000000"/>
+                </a:solidFill>
+                <a:sym typeface="Arial"/>
+                <a:rtl val="0"/>
+              </a:rPr>
+              <a:t>GRNmap</a:t>
+            </a:r>
+            <a:r>
+              <a:rPr lang="en-US" b="0" i="0" u="none" strike="noStrike" cap="none" baseline="0" dirty="0">
+                <a:solidFill>
+                  <a:srgbClr val="000000"/>
+                </a:solidFill>
+                <a:sym typeface="Arial"/>
+                <a:rtl val="0"/>
+              </a:rPr>
               <a:t>: </a:t>
             </a:r>
             <a:r>
-              <a:rPr lang="en-US" sz="1750" b="0" i="0" u="none" strike="noStrike" cap="none" baseline="0" dirty="0">
+              <a:rPr lang="en-US" b="0" i="0" u="none" strike="noStrike" cap="none" baseline="0" dirty="0">
                 <a:solidFill>
                   <a:srgbClr val="000000"/>
                 </a:solidFill>
                 <a:sym typeface="Arial"/>
-                <a:hlinkClick r:id="rId10"/>
+                <a:hlinkClick r:id="rId9"/>
                 <a:rtl val="0"/>
               </a:rPr>
-              <a:t>http://nodejs.org</a:t>
-            </a:r>
-            <a:r>
-              <a:rPr lang="en-US" sz="1750" b="0" i="0" u="none" strike="noStrike" cap="none" baseline="0" dirty="0" smtClean="0">
+              <a:t>http://</a:t>
+            </a:r>
+            <a:r>
+              <a:rPr lang="en-US" b="0" i="0" u="none" strike="noStrike" cap="none" baseline="0" dirty="0" err="1">
                 <a:solidFill>
                   <a:srgbClr val="000000"/>
                 </a:solidFill>
                 <a:sym typeface="Arial"/>
-                <a:hlinkClick r:id="rId10"/>
+                <a:hlinkClick r:id="rId9"/>
                 <a:rtl val="0"/>
               </a:rPr>
+              <a:t>kdahlquist.github.io</a:t>
+            </a:r>
+            <a:r>
+              <a:rPr lang="en-US" b="0" i="0" u="none" strike="noStrike" cap="none" baseline="0" dirty="0">
+                <a:solidFill>
+                  <a:srgbClr val="000000"/>
+                </a:solidFill>
+                <a:sym typeface="Arial"/>
+                <a:hlinkClick r:id="rId9"/>
+                <a:rtl val="0"/>
+              </a:rPr>
               <a:t>/</a:t>
             </a:r>
-            <a:endParaRPr lang="en-US" sz="1750" dirty="0"/>
-          </a:p>
-          <a:p>
-            <a:pPr marL="236538" marR="0" lvl="0" indent="-236538" algn="l" rtl="0">
-              <a:lnSpc>
-                <a:spcPct val="100000"/>
-              </a:lnSpc>
-              <a:spcBef>
-                <a:spcPts val="0"/>
-              </a:spcBef>
-              <a:spcAft>
-                <a:spcPts val="0"/>
-              </a:spcAft>
-              <a:buClr>
-                <a:srgbClr val="003700"/>
-              </a:buClr>
-              <a:buSzPct val="100000"/>
-              <a:buFont typeface="Arial"/>
-              <a:buChar char="•"/>
-            </a:pPr>
-            <a:r>
-              <a:rPr lang="en-US" sz="1750" dirty="0" smtClean="0"/>
-              <a:t>Miguel </a:t>
-            </a:r>
-            <a:r>
-              <a:rPr lang="en-US" sz="1750" dirty="0"/>
-              <a:t>C. Teixeira, </a:t>
-            </a:r>
-            <a:r>
-              <a:rPr lang="en-US" sz="1750" dirty="0" smtClean="0"/>
-              <a:t>et al. </a:t>
-            </a:r>
-            <a:r>
-              <a:rPr lang="en-US" sz="1750" dirty="0"/>
-              <a:t>(2014</a:t>
-            </a:r>
-            <a:r>
-              <a:rPr lang="en-US" sz="1750" dirty="0" smtClean="0"/>
-              <a:t>) The </a:t>
-            </a:r>
-            <a:r>
-              <a:rPr lang="en-US" sz="1750" dirty="0"/>
-              <a:t>YEASTRACT database: an upgraded information system for the analysis of gene and genomic transcription regulation in </a:t>
-            </a:r>
-            <a:r>
-              <a:rPr lang="en-US" sz="1750" i="1" dirty="0"/>
-              <a:t>Saccharomyces </a:t>
-            </a:r>
-            <a:r>
-              <a:rPr lang="en-US" sz="1750" i="1" dirty="0" err="1" smtClean="0"/>
-              <a:t>cerevisiae</a:t>
-            </a:r>
-            <a:r>
-              <a:rPr lang="en-US" sz="1750" dirty="0" smtClean="0"/>
-              <a:t>, </a:t>
-            </a:r>
-            <a:r>
-              <a:rPr lang="en-US" sz="1750" dirty="0" err="1" smtClean="0"/>
-              <a:t>Nucl</a:t>
-            </a:r>
-            <a:r>
-              <a:rPr lang="en-US" sz="1750" dirty="0"/>
-              <a:t>. Acids Res., 42: D161-D166, Oxford University Press</a:t>
-            </a:r>
-            <a:endParaRPr lang="en-US" sz="1750" b="0" i="0" u="none" strike="noStrike" cap="none" baseline="0" dirty="0" smtClean="0">
+            <a:r>
+              <a:rPr lang="en-US" b="0" i="0" u="none" strike="noStrike" cap="none" baseline="0" dirty="0" err="1">
+                <a:solidFill>
+                  <a:srgbClr val="000000"/>
+                </a:solidFill>
+                <a:sym typeface="Arial"/>
+                <a:hlinkClick r:id="rId9"/>
+                <a:rtl val="0"/>
+              </a:rPr>
+              <a:t>GRNmap</a:t>
+            </a:r>
+            <a:r>
+              <a:rPr lang="en-US" b="0" i="0" u="none" strike="noStrike" cap="none" baseline="0" dirty="0">
+                <a:solidFill>
+                  <a:srgbClr val="000000"/>
+                </a:solidFill>
+                <a:sym typeface="Arial"/>
+                <a:hlinkClick r:id="rId9"/>
+                <a:rtl val="0"/>
+              </a:rPr>
+              <a:t>/</a:t>
+            </a:r>
+            <a:endParaRPr lang="en-US" b="0" i="0" u="none" strike="noStrike" cap="none" baseline="0" dirty="0">
               <a:solidFill>
                 <a:srgbClr val="000000"/>
               </a:solidFill>
@@ -17307,17 +17305,122 @@
               <a:buChar char="•"/>
             </a:pPr>
             <a:r>
-              <a:rPr lang="en-US" sz="1750" dirty="0" smtClean="0"/>
-              <a:t>Mocha: http://</a:t>
-            </a:r>
-            <a:r>
-              <a:rPr lang="en-US" sz="1750" dirty="0" err="1" smtClean="0"/>
-              <a:t>mochajs.org</a:t>
-            </a:r>
-            <a:r>
-              <a:rPr lang="en-US" sz="1750" dirty="0" smtClean="0"/>
+              <a:rPr lang="en-US" dirty="0" err="1">
+                <a:rtl val="0"/>
+              </a:rPr>
+              <a:t>n</a:t>
+            </a:r>
+            <a:r>
+              <a:rPr lang="en-US" b="0" i="0" u="none" strike="noStrike" cap="none" baseline="0" smtClean="0">
+                <a:solidFill>
+                  <a:srgbClr val="000000"/>
+                </a:solidFill>
+                <a:sym typeface="Arial"/>
+                <a:rtl val="0"/>
+              </a:rPr>
+              <a:t>ode.js</a:t>
+            </a:r>
+            <a:r>
+              <a:rPr lang="en-US" b="0" i="0" u="none" strike="noStrike" cap="none" baseline="0" dirty="0">
+                <a:solidFill>
+                  <a:srgbClr val="000000"/>
+                </a:solidFill>
+                <a:sym typeface="Arial"/>
+                <a:rtl val="0"/>
+              </a:rPr>
+              <a:t>: </a:t>
+            </a:r>
+            <a:r>
+              <a:rPr lang="en-US" b="0" i="0" u="none" strike="noStrike" cap="none" baseline="0" dirty="0">
+                <a:solidFill>
+                  <a:srgbClr val="000000"/>
+                </a:solidFill>
+                <a:sym typeface="Arial"/>
+                <a:hlinkClick r:id="rId10"/>
+                <a:rtl val="0"/>
+              </a:rPr>
+              <a:t>http://nodejs.org</a:t>
+            </a:r>
+            <a:r>
+              <a:rPr lang="en-US" b="0" i="0" u="none" strike="noStrike" cap="none" baseline="0" dirty="0" smtClean="0">
+                <a:solidFill>
+                  <a:srgbClr val="000000"/>
+                </a:solidFill>
+                <a:sym typeface="Arial"/>
+                <a:hlinkClick r:id="rId10"/>
+                <a:rtl val="0"/>
+              </a:rPr>
               <a:t>/</a:t>
             </a:r>
+            <a:endParaRPr lang="en-US" dirty="0"/>
+          </a:p>
+          <a:p>
+            <a:pPr marL="236538" indent="-236538">
+              <a:buClr>
+                <a:srgbClr val="003700"/>
+              </a:buClr>
+              <a:buSzPct val="100000"/>
+              <a:buFont typeface="Arial"/>
+              <a:buChar char="•"/>
+            </a:pPr>
+            <a:r>
+              <a:rPr lang="en-US" dirty="0" smtClean="0"/>
+              <a:t>Mocha: </a:t>
+            </a:r>
+            <a:r>
+              <a:rPr lang="en-US" dirty="0" smtClean="0">
+                <a:hlinkClick r:id="rId11"/>
+              </a:rPr>
+              <a:t>http://mochajs.org/</a:t>
+            </a:r>
+            <a:endParaRPr lang="en-US" dirty="0" smtClean="0"/>
+          </a:p>
+          <a:p>
+            <a:pPr marL="236538" indent="-236538">
+              <a:buClr>
+                <a:srgbClr val="003700"/>
+              </a:buClr>
+              <a:buSzPct val="100000"/>
+              <a:buFont typeface="Arial"/>
+              <a:buChar char="•"/>
+            </a:pPr>
+            <a:r>
+              <a:rPr lang="en-US"/>
+              <a:t>Teixeira, M. C., Monteiro, P. T., Guerreiro, J. F., Gonçalves, J. P., Mira, N. P., dos Santos, S. C., ... &amp; Madeira, S. C. (2014). The YEASTRACT database: an upgraded information system for the analysis of gene and genomic transcription regulation in Saccharomyces cerevisiae. </a:t>
+            </a:r>
+            <a:r>
+              <a:rPr lang="en-US" i="1"/>
+              <a:t>Nucleic </a:t>
+            </a:r>
+            <a:r>
+              <a:rPr lang="en-US" i="1" smtClean="0"/>
+              <a:t>Acids Research</a:t>
+            </a:r>
+            <a:r>
+              <a:rPr lang="en-US"/>
+              <a:t>, </a:t>
+            </a:r>
+            <a:r>
+              <a:rPr lang="en-US" i="1"/>
+              <a:t>42</a:t>
+            </a:r>
+            <a:r>
+              <a:rPr lang="en-US"/>
+              <a:t>(D1</a:t>
+            </a:r>
+            <a:r>
+              <a:rPr lang="en-US"/>
+              <a:t>), </a:t>
+            </a:r>
+            <a:r>
+              <a:rPr lang="en-US" smtClean="0"/>
+              <a:t>D161-D166, DOI: </a:t>
+            </a:r>
+            <a:r>
+              <a:rPr lang="en-US"/>
+              <a:t>10.1093/nar/gkt1015</a:t>
+            </a:r>
+            <a:endParaRPr lang="en-US" dirty="0" smtClean="0"/>
           </a:p>
           <a:p>
             <a:pPr marL="0" marR="0" lvl="0" indent="0" algn="l" rtl="0">
@@ -17336,13 +17439,10 @@
               <a:buFont typeface="Arial"/>
               <a:buNone/>
             </a:pPr>
-            <a:endParaRPr sz="2200" b="0" i="0" u="none" strike="noStrike" cap="none" baseline="0" dirty="0">
+            <a:endParaRPr sz="1700" b="0" i="0" u="none" strike="noStrike" cap="none" baseline="0" dirty="0">
               <a:solidFill>
                 <a:srgbClr val="003700"/>
               </a:solidFill>
-              <a:latin typeface="Arial"/>
-              <a:ea typeface="Arial"/>
-              <a:cs typeface="Arial"/>
               <a:sym typeface="Arial"/>
               <a:rtl val="0"/>
             </a:endParaRPr>
@@ -17490,114 +17590,105 @@
             </a:r>
             <a:r>
               <a:rPr lang="en-US" sz="2200" dirty="0" smtClean="0"/>
-              <a:t>the master set of code</a:t>
+              <a:t>the master set of code.</a:t>
+            </a:r>
+            <a:endParaRPr lang="en-US" sz="800" dirty="0"/>
+          </a:p>
+          <a:p>
+            <a:pPr>
+              <a:buClr>
+                <a:srgbClr val="000000"/>
+              </a:buClr>
+              <a:buSzPct val="100000"/>
+            </a:pPr>
+            <a:r>
+              <a:rPr lang="en-US" sz="2200" b="1" dirty="0" smtClean="0">
+                <a:solidFill>
+                  <a:schemeClr val="dk1"/>
+                </a:solidFill>
+              </a:rPr>
+              <a:t>New </a:t>
+            </a:r>
+            <a:r>
+              <a:rPr lang="en-US" sz="2200" b="1" dirty="0">
+                <a:solidFill>
+                  <a:schemeClr val="dk1"/>
+                </a:solidFill>
+              </a:rPr>
+              <a:t>Unit Testing Framework Implemented</a:t>
+            </a:r>
+          </a:p>
+          <a:p>
+            <a:pPr marL="236538" lvl="0" indent="-236538">
+              <a:buClr>
+                <a:srgbClr val="000000"/>
+              </a:buClr>
+              <a:buSzPct val="100000"/>
+              <a:buFont typeface="Arial"/>
+              <a:buChar char="•"/>
+            </a:pPr>
+            <a:r>
+              <a:rPr lang="en-US" sz="2200" dirty="0" smtClean="0"/>
+              <a:t>In order to follow Test Driven Development (TDD) practices, a unit testing framework was created with 161 passing tests covering over 500 test files.</a:t>
+            </a:r>
+          </a:p>
+          <a:p>
+            <a:pPr marL="236538" lvl="0" indent="-236538">
+              <a:buClr>
+                <a:srgbClr val="000000"/>
+              </a:buClr>
+              <a:buSzPct val="100000"/>
+              <a:buFont typeface="Arial"/>
+              <a:buChar char="•"/>
+            </a:pPr>
+            <a:r>
+              <a:rPr lang="en-US" sz="2200" dirty="0" smtClean="0"/>
+              <a:t>Unit </a:t>
+            </a:r>
+            <a:r>
+              <a:rPr lang="en-US" sz="2200" dirty="0"/>
+              <a:t>testing </a:t>
+            </a:r>
+            <a:r>
+              <a:rPr lang="en-US" sz="2200" dirty="0" smtClean="0"/>
+              <a:t>is now executed </a:t>
+            </a:r>
+            <a:r>
+              <a:rPr lang="en-US" sz="2200" dirty="0"/>
+              <a:t>through Mocha, a JavaScript test </a:t>
+            </a:r>
+            <a:r>
+              <a:rPr lang="en-US" sz="2200" dirty="0" smtClean="0"/>
+              <a:t>framework running on </a:t>
+            </a:r>
+            <a:r>
+              <a:rPr lang="en-US" sz="2200" dirty="0" err="1" smtClean="0"/>
+              <a:t>node.js</a:t>
+            </a:r>
+            <a:r>
+              <a:rPr lang="en-US" sz="2200" dirty="0" smtClean="0"/>
+              <a:t> and are </a:t>
+            </a:r>
+            <a:r>
+              <a:rPr lang="en-US" sz="2200" dirty="0"/>
+              <a:t>written in Chai, </a:t>
+            </a:r>
+            <a:r>
+              <a:rPr lang="en-US" sz="2200" dirty="0" smtClean="0"/>
+              <a:t>an assertion </a:t>
+            </a:r>
+            <a:r>
+              <a:rPr lang="en-US" sz="2200" dirty="0"/>
+              <a:t>library for </a:t>
+            </a:r>
+            <a:r>
+              <a:rPr lang="en-US" sz="2200" dirty="0" err="1" smtClean="0"/>
+              <a:t>node.js</a:t>
             </a:r>
             <a:r>
               <a:rPr lang="en-US" sz="2200" dirty="0" smtClean="0"/>
               <a:t>.</a:t>
             </a:r>
-            <a:endParaRPr lang="en-US" sz="800" dirty="0"/>
-          </a:p>
-          <a:p>
-            <a:pPr>
-              <a:buClr>
-                <a:srgbClr val="000000"/>
-              </a:buClr>
-              <a:buSzPct val="100000"/>
-            </a:pPr>
-            <a:r>
-              <a:rPr lang="en-US" sz="2200" b="1" dirty="0" smtClean="0">
-                <a:solidFill>
-                  <a:schemeClr val="dk1"/>
-                </a:solidFill>
-              </a:rPr>
-              <a:t>New </a:t>
-            </a:r>
-            <a:r>
-              <a:rPr lang="en-US" sz="2200" b="1" dirty="0">
-                <a:solidFill>
-                  <a:schemeClr val="dk1"/>
-                </a:solidFill>
-              </a:rPr>
-              <a:t>Unit Testing Framework Implemented</a:t>
-            </a:r>
-          </a:p>
-          <a:p>
-            <a:pPr marL="236538" lvl="0" indent="-236538">
-              <a:buClr>
-                <a:srgbClr val="000000"/>
-              </a:buClr>
-              <a:buSzPct val="100000"/>
-              <a:buFont typeface="Arial"/>
-              <a:buChar char="•"/>
-            </a:pPr>
-            <a:r>
-              <a:rPr lang="en-US" sz="2200" dirty="0" smtClean="0"/>
-              <a:t>In order to follow Test Driven Development (TDD) practices, a unit testing framework was created with 161 passing tests covering over 500 test files.</a:t>
-            </a:r>
-          </a:p>
-          <a:p>
-            <a:pPr marL="236538" lvl="0" indent="-236538">
-              <a:buClr>
-                <a:srgbClr val="000000"/>
-              </a:buClr>
-              <a:buSzPct val="100000"/>
-              <a:buFont typeface="Arial"/>
-              <a:buChar char="•"/>
-            </a:pPr>
-            <a:r>
-              <a:rPr lang="en-US" sz="2200" dirty="0" smtClean="0"/>
-              <a:t>Unit </a:t>
-            </a:r>
-            <a:r>
-              <a:rPr lang="en-US" sz="2200" dirty="0"/>
-              <a:t>testing </a:t>
-            </a:r>
-            <a:r>
-              <a:rPr lang="en-US" sz="2200" dirty="0" smtClean="0"/>
-              <a:t>is now executed </a:t>
-            </a:r>
-            <a:r>
-              <a:rPr lang="en-US" sz="2200" dirty="0"/>
-              <a:t>through Mocha, a JavaScript test </a:t>
-            </a:r>
-            <a:r>
-              <a:rPr lang="en-US" sz="2200" dirty="0" smtClean="0"/>
-              <a:t>framework running on </a:t>
-            </a:r>
-            <a:r>
-              <a:rPr lang="en-US" sz="2200" dirty="0" err="1" smtClean="0"/>
-              <a:t>node.js</a:t>
-            </a:r>
-            <a:r>
-              <a:rPr lang="en-US" sz="2200" dirty="0" smtClean="0"/>
-              <a:t> and are </a:t>
-            </a:r>
-            <a:r>
-              <a:rPr lang="en-US" sz="2200" dirty="0"/>
-              <a:t>written in Chai, </a:t>
-            </a:r>
-            <a:r>
-              <a:rPr lang="en-US" sz="2200" dirty="0" smtClean="0"/>
-              <a:t>an </a:t>
-            </a:r>
-            <a:r>
-              <a:rPr lang="en-US" sz="2200" dirty="0" smtClean="0"/>
-              <a:t>assertion </a:t>
-            </a:r>
-            <a:r>
-              <a:rPr lang="en-US" sz="2200" dirty="0"/>
-              <a:t>library for </a:t>
-            </a:r>
-            <a:r>
-              <a:rPr lang="en-US" sz="2200" dirty="0" err="1" smtClean="0"/>
-              <a:t>node.js</a:t>
-            </a:r>
-            <a:r>
-              <a:rPr lang="en-US" sz="2200" dirty="0" smtClean="0"/>
-              <a:t>.</a:t>
-            </a:r>
-            <a:endParaRPr lang="en-US" sz="2200" dirty="0" smtClean="0"/>
           </a:p>
         </p:txBody>
       </p:sp>
@@ -18211,7 +18302,7 @@
           <p:nvPr/>
         </p:nvPicPr>
         <p:blipFill rotWithShape="1">
-          <a:blip r:embed="rId11">
+          <a:blip r:embed="rId12">
             <a:alphaModFix/>
           </a:blip>
           <a:srcRect t="4724"/>
@@ -18238,7 +18329,7 @@
           <p:nvPr/>
         </p:nvPicPr>
         <p:blipFill rotWithShape="1">
-          <a:blip r:embed="rId12">
+          <a:blip r:embed="rId13">
             <a:alphaModFix/>
           </a:blip>
           <a:srcRect/>
@@ -18412,7 +18503,7 @@
           <p:nvPr/>
         </p:nvPicPr>
         <p:blipFill rotWithShape="1">
-          <a:blip r:embed="rId13"/>
+          <a:blip r:embed="rId14"/>
           <a:srcRect t="24190" r="6556" b="40704"/>
           <a:stretch/>
         </p:blipFill>
@@ -18462,7 +18553,7 @@
           <p:nvPr/>
         </p:nvPicPr>
         <p:blipFill rotWithShape="1">
-          <a:blip r:embed="rId14"/>
+          <a:blip r:embed="rId15"/>
           <a:srcRect l="18715"/>
           <a:stretch/>
         </p:blipFill>
@@ -18567,12 +18658,20 @@
               <a:t> </a:t>
             </a:r>
             <a:r>
-              <a:rPr lang="en-US" sz="2200" b="1" dirty="0" err="1" smtClean="0"/>
+              <a:rPr lang="en-US" sz="2200" b="1" err="1" smtClean="0"/>
               <a:t>Unweighted</a:t>
             </a:r>
             <a:r>
+              <a:rPr lang="en-US" sz="2200" b="1" smtClean="0"/>
+              <a:t> </a:t>
+            </a:r>
+            <a:r>
+              <a:rPr lang="en-US" sz="2200" b="1" smtClean="0"/>
+              <a:t>graph </a:t>
+            </a:r>
+            <a:r>
               <a:rPr lang="en-US" sz="2200" b="1" dirty="0" smtClean="0"/>
-              <a:t> Graph drawn manually with Adobe Illustrator</a:t>
+              <a:t>drawn manually with Adobe Illustrator</a:t>
             </a:r>
             <a:endParaRPr lang="en-US" sz="2200" b="1" dirty="0"/>
           </a:p>
@@ -18649,7 +18748,7 @@
           <p:nvPr/>
         </p:nvPicPr>
         <p:blipFill rotWithShape="1">
-          <a:blip r:embed="rId14"/>
+          <a:blip r:embed="rId15"/>
           <a:srcRect t="8034" r="81013" b="29176"/>
           <a:stretch/>
         </p:blipFill>
@@ -19193,7 +19292,7 @@
           <p:nvPr/>
         </p:nvPicPr>
         <p:blipFill rotWithShape="1">
-          <a:blip r:embed="rId15"/>
+          <a:blip r:embed="rId16"/>
           <a:srcRect l="351" t="3057"/>
           <a:stretch/>
         </p:blipFill>
@@ -19216,7 +19315,7 @@
           <p:nvPr/>
         </p:nvPicPr>
         <p:blipFill rotWithShape="1">
-          <a:blip r:embed="rId16"/>
+          <a:blip r:embed="rId17"/>
           <a:srcRect l="-1" t="36170" r="16347" b="-811"/>
           <a:stretch/>
         </p:blipFill>
@@ -19267,7 +19366,7 @@
           <p:nvPr/>
         </p:nvPicPr>
         <p:blipFill rotWithShape="1">
-          <a:blip r:embed="rId17">
+          <a:blip r:embed="rId18">
             <a:alphaModFix/>
           </a:blip>
           <a:srcRect l="51219" t="35156" b="33193"/>
@@ -19294,7 +19393,7 @@
           <p:nvPr/>
         </p:nvPicPr>
         <p:blipFill rotWithShape="1">
-          <a:blip r:embed="rId17">
+          <a:blip r:embed="rId18">
             <a:alphaModFix/>
           </a:blip>
           <a:srcRect t="68506" r="36449"/>
@@ -19321,7 +19420,7 @@
           <p:nvPr/>
         </p:nvPicPr>
         <p:blipFill rotWithShape="1">
-          <a:blip r:embed="rId17">
+          <a:blip r:embed="rId18">
             <a:alphaModFix/>
           </a:blip>
           <a:srcRect l="66784" t="68506"/>
@@ -19348,7 +19447,7 @@
           <p:nvPr/>
         </p:nvPicPr>
         <p:blipFill rotWithShape="1">
-          <a:blip r:embed="rId17">
+          <a:blip r:embed="rId18">
             <a:alphaModFix/>
           </a:blip>
           <a:srcRect t="35156" r="56613" b="33193"/>
@@ -19377,7 +19476,7 @@
           <p:nvPr/>
         </p:nvPicPr>
         <p:blipFill rotWithShape="1">
-          <a:blip r:embed="rId18"/>
+          <a:blip r:embed="rId19"/>
           <a:srcRect r="11035"/>
           <a:stretch/>
         </p:blipFill>
@@ -19487,7 +19586,7 @@
           <p:nvPr/>
         </p:nvPicPr>
         <p:blipFill>
-          <a:blip r:embed="rId19"/>
+          <a:blip r:embed="rId20"/>
           <a:stretch>
             <a:fillRect/>
           </a:stretch>
@@ -19706,21 +19805,8 @@
                   <a:schemeClr val="dk1"/>
                 </a:solidFill>
               </a:rPr>
-              <a:t> has been tested with and confirmed to be working in Chrom</a:t>
-            </a:r>
-            <a:r>
-              <a:rPr lang="en-US" sz="2200" dirty="0" smtClean="0">
-                <a:solidFill>
-                  <a:schemeClr val="dk1"/>
-                </a:solidFill>
-              </a:rPr>
-              <a:t>e version 43.0.2357.65 or higher and Firefox version 38.0.1 or higher on Windows 7 and Mac OS X operating systems.</a:t>
-            </a:r>
-            <a:endParaRPr lang="en-US" sz="2200" dirty="0" smtClean="0">
-              <a:solidFill>
-                <a:schemeClr val="dk1"/>
-              </a:solidFill>
-            </a:endParaRPr>
+              <a:t> has been tested with and confirmed to be working in Chrome version 43.0.2357.65 or higher and Firefox version 38.0.1 or higher on Windows 7 and Mac OS X operating systems.</a:t>
+            </a:r>
           </a:p>
           <a:p>
             <a:pPr marL="236538" lvl="0" indent="-236538">
@@ -19948,7 +20034,7 @@
           <p:nvPr/>
         </p:nvPicPr>
         <p:blipFill>
-          <a:blip r:embed="rId20"/>
+          <a:blip r:embed="rId21"/>
           <a:stretch>
             <a:fillRect/>
           </a:stretch>
@@ -20479,7 +20565,7 @@
           <p:nvPr/>
         </p:nvPicPr>
         <p:blipFill rotWithShape="1">
-          <a:blip r:embed="rId21"/>
+          <a:blip r:embed="rId22"/>
           <a:srcRect l="19671" t="8977" r="944" b="10451"/>
           <a:stretch/>
         </p:blipFill>
@@ -20596,11 +20682,7 @@
             </a:r>
             <a:r>
               <a:rPr lang="en-US" sz="2200" dirty="0" smtClean="0"/>
-              <a:t>error </a:t>
-            </a:r>
-            <a:r>
-              <a:rPr lang="en-US" sz="2200" dirty="0" smtClean="0"/>
-              <a:t>in </a:t>
+              <a:t>error in </a:t>
             </a:r>
             <a:r>
               <a:rPr lang="en-US" sz="2200" dirty="0"/>
@@ -20608,17 +20690,12 @@
             </a:r>
             <a:r>
               <a:rPr lang="en-US" sz="2200" dirty="0" smtClean="0"/>
-              <a:t>modal </a:t>
-            </a:r>
-            <a:r>
-              <a:rPr lang="en-US" sz="2200" dirty="0" smtClean="0"/>
-              <a:t>window</a:t>
+              <a:t>modal window</a:t>
             </a:r>
             <a:r>
               <a:rPr lang="en-US" sz="2200" dirty="0"/>
               <a:t>.</a:t>
             </a:r>
-            <a:endParaRPr lang="en-US" sz="2200" dirty="0"/>
           </a:p>
         </p:txBody>
       </p:sp>
@@ -20631,7 +20708,7 @@
           <p:nvPr/>
         </p:nvPicPr>
         <p:blipFill>
-          <a:blip r:embed="rId22"/>
+          <a:blip r:embed="rId23"/>
           <a:stretch>
             <a:fillRect/>
           </a:stretch>
@@ -20743,13 +20820,8 @@
           <a:p>
             <a:r>
               <a:rPr lang="en-US" sz="2400" b="1" dirty="0" smtClean="0"/>
-              <a:t>4. </a:t>
-            </a:r>
-            <a:r>
-              <a:rPr lang="en-US" sz="2400" b="1" dirty="0" smtClean="0"/>
-              <a:t>Status Bar</a:t>
-            </a:r>
-            <a:endParaRPr lang="en-US" sz="2400" b="1" dirty="0" smtClean="0"/>
+              <a:t>4. Status Bar</a:t>
+            </a:r>
           </a:p>
           <a:p>
             <a:pPr marL="222250" indent="-222250">
@@ -20768,23 +20840,7 @@
             </a:pPr>
             <a:r>
               <a:rPr lang="en-US" sz="2000" dirty="0" smtClean="0"/>
-              <a:t>The </a:t>
-            </a:r>
-            <a:r>
-              <a:rPr lang="en-US" sz="2000" dirty="0" smtClean="0"/>
-              <a:t>number of nodes and </a:t>
-            </a:r>
-            <a:r>
-              <a:rPr lang="en-US" sz="2000" dirty="0" smtClean="0"/>
-              <a:t>edges of the graph are displayed in </a:t>
-            </a:r>
-            <a:r>
-              <a:rPr lang="en-US" sz="2000" dirty="0" smtClean="0"/>
-              <a:t>the far right hand </a:t>
-            </a:r>
-            <a:r>
-              <a:rPr lang="en-US" sz="2000" dirty="0" smtClean="0"/>
-              <a:t>side.</a:t>
+              <a:t>The number of nodes and edges of the graph are displayed in the far right hand side.</a:t>
             </a:r>
             <a:endParaRPr lang="en-US" sz="2000" dirty="0"/>
           </a:p>
@@ -21084,7 +21140,7 @@
           <p:nvPr/>
         </p:nvPicPr>
         <p:blipFill>
-          <a:blip r:embed="rId23"/>
+          <a:blip r:embed="rId24"/>
           <a:stretch>
             <a:fillRect/>
           </a:stretch>
@@ -21178,7 +21234,6 @@
               <a:rPr lang="en-US" sz="2200" dirty="0" smtClean="0"/>
               <a:t>.</a:t>
             </a:r>
-            <a:endParaRPr lang="en-US" sz="2200" dirty="0" smtClean="0"/>
           </a:p>
           <a:p>
             <a:pPr marL="217488" lvl="0" indent="-217488">
@@ -21187,15 +21242,7 @@
             </a:pPr>
             <a:r>
               <a:rPr lang="en-US" sz="2200" dirty="0" smtClean="0"/>
-              <a:t>The </a:t>
-            </a:r>
-            <a:r>
-              <a:rPr lang="en-US" sz="2200" dirty="0" smtClean="0"/>
-              <a:t>warning box can be closed and reopened at any time via a hyperlink underneath Force </a:t>
-            </a:r>
-            <a:r>
-              <a:rPr lang="en-US" sz="2200" dirty="0" smtClean="0"/>
-              <a:t>Graph Parameter sliders. </a:t>
+              <a:t>The warning box can be closed and reopened at any time via a hyperlink underneath Force Graph Parameter sliders. </a:t>
             </a:r>
             <a:endParaRPr lang="en-US" sz="2200" dirty="0"/>
           </a:p>
@@ -21300,7 +21347,7 @@
           <p:nvPr/>
         </p:nvPicPr>
         <p:blipFill>
-          <a:blip r:embed="rId24"/>
+          <a:blip r:embed="rId25"/>
           <a:stretch>
             <a:fillRect/>
           </a:stretch>
@@ -21346,11 +21393,6 @@
               </a:rPr>
               <a:t>2048 total visitors and </a:t>
             </a:r>
-            <a:endParaRPr lang="en-US" dirty="0" smtClean="0">
-              <a:solidFill>
-                <a:schemeClr val="bg1"/>
-              </a:solidFill>
-            </a:endParaRPr>
           </a:p>
           <a:p>
             <a:pPr algn="ctr"/>
@@ -21360,15 +21402,7 @@
                   <a:schemeClr val="bg1"/>
                 </a:solidFill>
               </a:rPr>
-              <a:t>1440 </a:t>
-            </a:r>
-            <a:r>
-              <a:rPr lang="en-US" dirty="0" smtClean="0">
-                <a:solidFill>
-                  <a:schemeClr val="bg1"/>
-                </a:solidFill>
-              </a:rPr>
-              <a:t>files uploaded</a:t>
+              <a:t>1440 files uploaded</a:t>
             </a:r>
             <a:r>
               <a:rPr lang="en-US" dirty="0">
@@ -21412,18 +21446,18 @@
           <p:nvPr>
             <p:extLst>
               <p:ext uri="{D42A27DB-BD31-4B8C-83A1-F6EECF244321}">
-                <p14:modId xmlns:p14="http://schemas.microsoft.com/office/powerpoint/2010/main" val="2705693289"/>
+                <p14:modId xmlns:p14="http://schemas.microsoft.com/office/powerpoint/2010/main" val="476330369"/>
               </p:ext>
             </p:extLst>
           </p:nvPr>
         </p:nvGraphicFramePr>
         <p:xfrm>
-          <a:off x="37189615" y="10531257"/>
-          <a:ext cx="6463856" cy="3174862"/>
+          <a:off x="37149926" y="10610627"/>
+          <a:ext cx="6463856" cy="2422815"/>
         </p:xfrm>
         <a:graphic>
           <a:graphicData uri="http://schemas.openxmlformats.org/drawingml/2006/diagram">
-            <dgm:relIds xmlns:dgm="http://schemas.openxmlformats.org/drawingml/2006/diagram" xmlns:r="http://schemas.openxmlformats.org/officeDocument/2006/relationships" r:dm="rId25" r:lo="rId26" r:qs="rId27" r:cs="rId28"/>
+            <dgm:relIds xmlns:dgm="http://schemas.openxmlformats.org/drawingml/2006/diagram" xmlns:r="http://schemas.openxmlformats.org/officeDocument/2006/relationships" r:dm="rId26" r:lo="rId27" r:qs="rId28" r:cs="rId29"/>
           </a:graphicData>
         </a:graphic>
       </p:graphicFrame>
@@ -21526,7 +21560,7 @@
           <p:nvPr>
             <p:extLst>
               <p:ext uri="{D42A27DB-BD31-4B8C-83A1-F6EECF244321}">
-                <p14:modId xmlns:p14="http://schemas.microsoft.com/office/powerpoint/2010/main" val="2031879299"/>
+                <p14:modId xmlns:p14="http://schemas.microsoft.com/office/powerpoint/2010/main" val="252126776"/>
               </p:ext>
             </p:extLst>
           </p:nvPr>
@@ -21553,10 +21587,26 @@
                     <a:p>
                       <a:pPr algn="ctr"/>
                       <a:r>
-                        <a:rPr lang="en-US" sz="2000" b="1" dirty="0" smtClean="0"/>
-                        <a:t>Coverage Statistics</a:t>
+                        <a:rPr lang="en-US" sz="2000" b="1" smtClean="0">
+                          <a:latin typeface="Arial Unicode MS" panose="020B0604020202020204" pitchFamily="34" charset="-128"/>
+                          <a:ea typeface="Arial Unicode MS" panose="020B0604020202020204" pitchFamily="34" charset="-128"/>
+                          <a:cs typeface="Arial Unicode MS" panose="020B0604020202020204" pitchFamily="34" charset="-128"/>
+                        </a:rPr>
+                        <a:t>Test Coverage </a:t>
                       </a:r>
-                      <a:endParaRPr lang="en-US" sz="2000" b="1" dirty="0"/>
+                      <a:r>
+                        <a:rPr lang="en-US" sz="2000" b="1" dirty="0" smtClean="0">
+                          <a:latin typeface="Arial Unicode MS" panose="020B0604020202020204" pitchFamily="34" charset="-128"/>
+                          <a:ea typeface="Arial Unicode MS" panose="020B0604020202020204" pitchFamily="34" charset="-128"/>
+                          <a:cs typeface="Arial Unicode MS" panose="020B0604020202020204" pitchFamily="34" charset="-128"/>
+                        </a:rPr>
+                        <a:t>Statistics</a:t>
+                      </a:r>
+                      <a:endParaRPr lang="en-US" sz="2000" b="1" dirty="0">
+                        <a:latin typeface="Arial Unicode MS" panose="020B0604020202020204" pitchFamily="34" charset="-128"/>
+                        <a:ea typeface="Arial Unicode MS" panose="020B0604020202020204" pitchFamily="34" charset="-128"/>
+                        <a:cs typeface="Arial Unicode MS" panose="020B0604020202020204" pitchFamily="34" charset="-128"/>
+                      </a:endParaRPr>
                     </a:p>
                   </a:txBody>
                   <a:tcPr>
@@ -21616,10 +21666,18 @@
                     <a:lstStyle/>
                     <a:p>
                       <a:r>
-                        <a:rPr lang="en-US" sz="1800" dirty="0" smtClean="0"/>
+                        <a:rPr lang="en-US" sz="1800" dirty="0" smtClean="0">
+                          <a:latin typeface="Arial Unicode MS" panose="020B0604020202020204" pitchFamily="34" charset="-128"/>
+                          <a:ea typeface="Arial Unicode MS" panose="020B0604020202020204" pitchFamily="34" charset="-128"/>
+                          <a:cs typeface="Arial Unicode MS" panose="020B0604020202020204" pitchFamily="34" charset="-128"/>
+                        </a:rPr>
                         <a:t>Statements:</a:t>
                       </a:r>
-                      <a:endParaRPr lang="en-US" sz="1800" dirty="0"/>
+                      <a:endParaRPr lang="en-US" sz="1800" dirty="0">
+                        <a:latin typeface="Arial Unicode MS" panose="020B0604020202020204" pitchFamily="34" charset="-128"/>
+                        <a:ea typeface="Arial Unicode MS" panose="020B0604020202020204" pitchFamily="34" charset="-128"/>
+                        <a:cs typeface="Arial Unicode MS" panose="020B0604020202020204" pitchFamily="34" charset="-128"/>
+                      </a:endParaRPr>
                     </a:p>
                   </a:txBody>
                   <a:tcPr>
@@ -21667,10 +21725,18 @@
                     <a:lstStyle/>
                     <a:p>
                       <a:r>
-                        <a:rPr lang="en-US" sz="1800" dirty="0" smtClean="0"/>
+                        <a:rPr lang="en-US" sz="1800" dirty="0" smtClean="0">
+                          <a:latin typeface="Arial Unicode MS" panose="020B0604020202020204" pitchFamily="34" charset="-128"/>
+                          <a:ea typeface="Arial Unicode MS" panose="020B0604020202020204" pitchFamily="34" charset="-128"/>
+                          <a:cs typeface="Arial Unicode MS" panose="020B0604020202020204" pitchFamily="34" charset="-128"/>
+                        </a:rPr>
                         <a:t>72% (124/172)</a:t>
                       </a:r>
-                      <a:endParaRPr lang="en-US" sz="1800" dirty="0"/>
+                      <a:endParaRPr lang="en-US" sz="1800" dirty="0">
+                        <a:latin typeface="Arial Unicode MS" panose="020B0604020202020204" pitchFamily="34" charset="-128"/>
+                        <a:ea typeface="Arial Unicode MS" panose="020B0604020202020204" pitchFamily="34" charset="-128"/>
+                        <a:cs typeface="Arial Unicode MS" panose="020B0604020202020204" pitchFamily="34" charset="-128"/>
+                      </a:endParaRPr>
                     </a:p>
                   </a:txBody>
                   <a:tcPr>
@@ -21720,10 +21786,18 @@
                     <a:lstStyle/>
                     <a:p>
                       <a:r>
-                        <a:rPr lang="en-US" sz="1800" dirty="0" smtClean="0"/>
+                        <a:rPr lang="en-US" sz="1800" dirty="0" smtClean="0">
+                          <a:latin typeface="Arial Unicode MS" panose="020B0604020202020204" pitchFamily="34" charset="-128"/>
+                          <a:ea typeface="Arial Unicode MS" panose="020B0604020202020204" pitchFamily="34" charset="-128"/>
+                          <a:cs typeface="Arial Unicode MS" panose="020B0604020202020204" pitchFamily="34" charset="-128"/>
+                        </a:rPr>
                         <a:t>Branches:</a:t>
                       </a:r>
-                      <a:endParaRPr lang="en-US" sz="1800" dirty="0"/>
+                      <a:endParaRPr lang="en-US" sz="1800" dirty="0">
+                        <a:latin typeface="Arial Unicode MS" panose="020B0604020202020204" pitchFamily="34" charset="-128"/>
+                        <a:ea typeface="Arial Unicode MS" panose="020B0604020202020204" pitchFamily="34" charset="-128"/>
+                        <a:cs typeface="Arial Unicode MS" panose="020B0604020202020204" pitchFamily="34" charset="-128"/>
+                      </a:endParaRPr>
                     </a:p>
                   </a:txBody>
                   <a:tcPr>
@@ -21771,10 +21845,18 @@
                     <a:lstStyle/>
                     <a:p>
                       <a:r>
-                        <a:rPr lang="en-US" sz="1800" dirty="0" smtClean="0"/>
+                        <a:rPr lang="en-US" sz="1800" dirty="0" smtClean="0">
+                          <a:latin typeface="Arial Unicode MS" panose="020B0604020202020204" pitchFamily="34" charset="-128"/>
+                          <a:ea typeface="Arial Unicode MS" panose="020B0604020202020204" pitchFamily="34" charset="-128"/>
+                          <a:cs typeface="Arial Unicode MS" panose="020B0604020202020204" pitchFamily="34" charset="-128"/>
+                        </a:rPr>
                         <a:t>86% (60/70)</a:t>
                       </a:r>
-                      <a:endParaRPr lang="en-US" sz="1800" dirty="0"/>
+                      <a:endParaRPr lang="en-US" sz="1800" dirty="0">
+                        <a:latin typeface="Arial Unicode MS" panose="020B0604020202020204" pitchFamily="34" charset="-128"/>
+                        <a:ea typeface="Arial Unicode MS" panose="020B0604020202020204" pitchFamily="34" charset="-128"/>
+                        <a:cs typeface="Arial Unicode MS" panose="020B0604020202020204" pitchFamily="34" charset="-128"/>
+                      </a:endParaRPr>
                     </a:p>
                   </a:txBody>
                   <a:tcPr>
@@ -21824,10 +21906,18 @@
                     <a:lstStyle/>
                     <a:p>
                       <a:r>
-                        <a:rPr lang="en-US" sz="1800" dirty="0" smtClean="0"/>
+                        <a:rPr lang="en-US" sz="1800" dirty="0" smtClean="0">
+                          <a:latin typeface="Arial Unicode MS" panose="020B0604020202020204" pitchFamily="34" charset="-128"/>
+                          <a:ea typeface="Arial Unicode MS" panose="020B0604020202020204" pitchFamily="34" charset="-128"/>
+                          <a:cs typeface="Arial Unicode MS" panose="020B0604020202020204" pitchFamily="34" charset="-128"/>
+                        </a:rPr>
                         <a:t>Functions:</a:t>
                       </a:r>
-                      <a:endParaRPr lang="en-US" sz="1800" dirty="0"/>
+                      <a:endParaRPr lang="en-US" sz="1800" dirty="0">
+                        <a:latin typeface="Arial Unicode MS" panose="020B0604020202020204" pitchFamily="34" charset="-128"/>
+                        <a:ea typeface="Arial Unicode MS" panose="020B0604020202020204" pitchFamily="34" charset="-128"/>
+                        <a:cs typeface="Arial Unicode MS" panose="020B0604020202020204" pitchFamily="34" charset="-128"/>
+                      </a:endParaRPr>
                     </a:p>
                   </a:txBody>
                   <a:tcPr>
@@ -21875,14 +21965,26 @@
                     <a:lstStyle/>
                     <a:p>
                       <a:r>
-                        <a:rPr lang="en-US" sz="1800" dirty="0" smtClean="0"/>
+                        <a:rPr lang="en-US" sz="1800" dirty="0" smtClean="0">
+                          <a:latin typeface="Arial Unicode MS" panose="020B0604020202020204" pitchFamily="34" charset="-128"/>
+                          <a:ea typeface="Arial Unicode MS" panose="020B0604020202020204" pitchFamily="34" charset="-128"/>
+                          <a:cs typeface="Arial Unicode MS" panose="020B0604020202020204" pitchFamily="34" charset="-128"/>
+                        </a:rPr>
                         <a:t>64%</a:t>
                       </a:r>
                       <a:r>
-                        <a:rPr lang="en-US" sz="1800" baseline="0" dirty="0" smtClean="0"/>
+                        <a:rPr lang="en-US" sz="1800" baseline="0" dirty="0" smtClean="0">
+                          <a:latin typeface="Arial Unicode MS" panose="020B0604020202020204" pitchFamily="34" charset="-128"/>
+                          <a:ea typeface="Arial Unicode MS" panose="020B0604020202020204" pitchFamily="34" charset="-128"/>
+                          <a:cs typeface="Arial Unicode MS" panose="020B0604020202020204" pitchFamily="34" charset="-128"/>
+                        </a:rPr>
                         <a:t> (18/28)</a:t>
                       </a:r>
-                      <a:endParaRPr lang="en-US" sz="1800" dirty="0"/>
+                      <a:endParaRPr lang="en-US" sz="1800" dirty="0">
+                        <a:latin typeface="Arial Unicode MS" panose="020B0604020202020204" pitchFamily="34" charset="-128"/>
+                        <a:ea typeface="Arial Unicode MS" panose="020B0604020202020204" pitchFamily="34" charset="-128"/>
+                        <a:cs typeface="Arial Unicode MS" panose="020B0604020202020204" pitchFamily="34" charset="-128"/>
+                      </a:endParaRPr>
                     </a:p>
                   </a:txBody>
                   <a:tcPr>
@@ -21932,10 +22034,18 @@
                     <a:lstStyle/>
                     <a:p>
                       <a:r>
-                        <a:rPr lang="en-US" sz="1800" dirty="0" smtClean="0"/>
+                        <a:rPr lang="en-US" sz="1800" dirty="0" smtClean="0">
+                          <a:latin typeface="Arial Unicode MS" panose="020B0604020202020204" pitchFamily="34" charset="-128"/>
+                          <a:ea typeface="Arial Unicode MS" panose="020B0604020202020204" pitchFamily="34" charset="-128"/>
+                          <a:cs typeface="Arial Unicode MS" panose="020B0604020202020204" pitchFamily="34" charset="-128"/>
+                        </a:rPr>
                         <a:t>Lines:</a:t>
                       </a:r>
-                      <a:endParaRPr lang="en-US" sz="1800" dirty="0"/>
+                      <a:endParaRPr lang="en-US" sz="1800" dirty="0">
+                        <a:latin typeface="Arial Unicode MS" panose="020B0604020202020204" pitchFamily="34" charset="-128"/>
+                        <a:ea typeface="Arial Unicode MS" panose="020B0604020202020204" pitchFamily="34" charset="-128"/>
+                        <a:cs typeface="Arial Unicode MS" panose="020B0604020202020204" pitchFamily="34" charset="-128"/>
+                      </a:endParaRPr>
                     </a:p>
                   </a:txBody>
                   <a:tcPr>
@@ -21983,10 +22093,18 @@
                     <a:lstStyle/>
                     <a:p>
                       <a:r>
-                        <a:rPr lang="en-US" sz="1800" dirty="0" smtClean="0"/>
+                        <a:rPr lang="en-US" sz="1800" dirty="0" smtClean="0">
+                          <a:latin typeface="Arial Unicode MS" panose="020B0604020202020204" pitchFamily="34" charset="-128"/>
+                          <a:ea typeface="Arial Unicode MS" panose="020B0604020202020204" pitchFamily="34" charset="-128"/>
+                          <a:cs typeface="Arial Unicode MS" panose="020B0604020202020204" pitchFamily="34" charset="-128"/>
+                        </a:rPr>
                         <a:t>73% (124/171)</a:t>
                       </a:r>
-                      <a:endParaRPr lang="en-US" sz="1800" dirty="0"/>
+                      <a:endParaRPr lang="en-US" sz="1800" dirty="0">
+                        <a:latin typeface="Arial Unicode MS" panose="020B0604020202020204" pitchFamily="34" charset="-128"/>
+                        <a:ea typeface="Arial Unicode MS" panose="020B0604020202020204" pitchFamily="34" charset="-128"/>
+                        <a:cs typeface="Arial Unicode MS" panose="020B0604020202020204" pitchFamily="34" charset="-128"/>
+                      </a:endParaRPr>
                     </a:p>
                   </a:txBody>
                   <a:tcPr>
@@ -22105,13 +22223,13 @@
   <p:clrMapOvr>
     <a:masterClrMapping/>
   </p:clrMapOvr>
-  <p:transition xmlns:p14="http://schemas.microsoft.com/office/powerpoint/2010/main" spd="slow">
+  <p:transition spd="slow">
     <p:cut/>
   </p:transition>
   <p:timing>
     <p:tnLst>
       <p:par>
-        <p:cTn xmlns:p14="http://schemas.microsoft.com/office/powerpoint/2010/main" id="1" dur="indefinite" restart="never" nodeType="tmRoot"/>
+        <p:cTn id="1" dur="indefinite" restart="never" nodeType="tmRoot"/>
       </p:par>
     </p:tnLst>
   </p:timing>
